--- a/PWD技术调研.pptx
+++ b/PWD技术调研.pptx
@@ -524,142 +524,6 @@
       </p:grpSpPr>
       <p:sp>
         <p:nvSpPr>
-          <p:cNvPr id="63" name="Shape 63"/>
-          <p:cNvSpPr>
-            <a:spLocks noGrp="1" noRot="1" noChangeAspect="1"/>
-          </p:cNvSpPr>
-          <p:nvPr>
-            <p:ph type="sldImg"/>
-          </p:nvPr>
-        </p:nvSpPr>
-        <p:spPr>
-          <a:xfrm>
-            <a:off x="381000" y="685800"/>
-            <a:ext cx="6096000" cy="3429000"/>
-          </a:xfrm>
-          <a:prstGeom prst="rect">
-            <a:avLst/>
-          </a:prstGeom>
-        </p:spPr>
-        <p:txBody>
-          <a:bodyPr/>
-          <a:lstStyle/>
-          <a:p>
-            <a:endParaRPr/>
-          </a:p>
-        </p:txBody>
-      </p:sp>
-      <p:sp>
-        <p:nvSpPr>
-          <p:cNvPr id="64" name="Shape 64"/>
-          <p:cNvSpPr>
-            <a:spLocks noGrp="1"/>
-          </p:cNvSpPr>
-          <p:nvPr>
-            <p:ph type="body" sz="quarter" idx="1"/>
-          </p:nvPr>
-        </p:nvSpPr>
-        <p:spPr>
-          <a:prstGeom prst="rect">
-            <a:avLst/>
-          </a:prstGeom>
-        </p:spPr>
-        <p:txBody>
-          <a:bodyPr/>
-          <a:lstStyle/>
-          <a:p>
-            <a:r>
-              <a:t>PWD是Google推出的。</a:t>
-            </a:r>
-          </a:p>
-          <a:p>
-            <a:endParaRPr/>
-          </a:p>
-          <a:p>
-            <a:r>
-              <a:t>备注：</a:t>
-            </a:r>
-          </a:p>
-          <a:p>
-            <a:r>
-              <a:t>如果搜索下 PWA 的历史就会发现，它第一次出现于 Googler Alex Russell 的博客文章《Progressive Web Apps: Escaping Tabs Without Losing Our Soul》中，其主要观点是：Web 的发展方向应该是”在保留灵魂的基础上渐进增强”，而非现在大行其道的 Hybrid App 方向。</a:t>
-            </a:r>
-          </a:p>
-          <a:p>
-            <a:endParaRPr/>
-          </a:p>
-          <a:p>
-            <a:r>
-              <a:t>总结一下，文章里的 Progressive 主要有这两层含义：</a:t>
-            </a:r>
-          </a:p>
-          <a:p>
-            <a:r>
-              <a:t>如果用户需要，网页可以渐进式地变成 App，比如被添加到主屏幕、全屏方式运行、离线工作、推送通知消息等。但它仍是 Web 而非放到 App Store 里。</a:t>
-            </a:r>
-          </a:p>
-          <a:p>
-            <a:r>
-              <a:t>所有这些“使得 Web 更能与 App 匹敌”的特性都是以渐进的方式增强的，在比传统网页应用更好的同时也保证了降级兼容。</a:t>
-            </a:r>
-          </a:p>
-          <a:p>
-            <a:endParaRPr/>
-          </a:p>
-          <a:p>
-            <a:r>
-              <a:t>作者：黄玄</a:t>
-            </a:r>
-          </a:p>
-          <a:p>
-            <a:r>
-              <a:t>链接：https://www.zhihu.com/question/46690207/answer/104851767</a:t>
-            </a:r>
-          </a:p>
-          <a:p>
-            <a:r>
-              <a:t>来源：知乎</a:t>
-            </a:r>
-          </a:p>
-          <a:p>
-            <a:r>
-              <a:t>著作权归作者所有，转载请联系作者获得授权。</a:t>
-            </a:r>
-          </a:p>
-        </p:txBody>
-      </p:sp>
-    </p:spTree>
-    <p:extLst>
-      <p:ext uri="{BB962C8B-B14F-4D97-AF65-F5344CB8AC3E}">
-        <p14:creationId xmlns:p14="http://schemas.microsoft.com/office/powerpoint/2010/main" val="397657013"/>
-      </p:ext>
-    </p:extLst>
-  </p:cSld>
-  <p:clrMapOvr>
-    <a:masterClrMapping/>
-  </p:clrMapOvr>
-</p:notes>
-</file>
-
-<file path=ppt/notesSlides/notesSlide10.xml><?xml version="1.0" encoding="utf-8"?>
-<p:notes xmlns:a="http://schemas.openxmlformats.org/drawingml/2006/main" xmlns:r="http://schemas.openxmlformats.org/officeDocument/2006/relationships" xmlns:p="http://schemas.openxmlformats.org/presentationml/2006/main">
-  <p:cSld>
-    <p:spTree>
-      <p:nvGrpSpPr>
-        <p:cNvPr id="1" name=""/>
-        <p:cNvGrpSpPr/>
-        <p:nvPr/>
-      </p:nvGrpSpPr>
-      <p:grpSpPr>
-        <a:xfrm>
-          <a:off x="0" y="0"/>
-          <a:ext cx="0" cy="0"/>
-          <a:chOff x="0" y="0"/>
-          <a:chExt cx="0" cy="0"/>
-        </a:xfrm>
-      </p:grpSpPr>
-      <p:sp>
-        <p:nvSpPr>
           <p:cNvPr id="2" name="幻灯片图像占位符 1"/>
           <p:cNvSpPr>
             <a:spLocks noGrp="1" noRot="1" noChangeAspect="1"/>
@@ -690,14 +554,101 @@
           <a:bodyPr/>
           <a:lstStyle/>
           <a:p>
-            <a:endParaRPr kumimoji="1" lang="zh-CN" altLang="en-US" dirty="0"/>
+            <a:endParaRPr lang="zh-CN" altLang="en-US" dirty="0"/>
           </a:p>
         </p:txBody>
       </p:sp>
     </p:spTree>
     <p:extLst>
       <p:ext uri="{BB962C8B-B14F-4D97-AF65-F5344CB8AC3E}">
-        <p14:creationId xmlns:p14="http://schemas.microsoft.com/office/powerpoint/2010/main" val="1963534298"/>
+        <p14:creationId xmlns:p14="http://schemas.microsoft.com/office/powerpoint/2010/main" val="3862272891"/>
+      </p:ext>
+    </p:extLst>
+  </p:cSld>
+  <p:clrMapOvr>
+    <a:masterClrMapping/>
+  </p:clrMapOvr>
+</p:notes>
+</file>
+
+<file path=ppt/notesSlides/notesSlide10.xml><?xml version="1.0" encoding="utf-8"?>
+<p:notes xmlns:a="http://schemas.openxmlformats.org/drawingml/2006/main" xmlns:r="http://schemas.openxmlformats.org/officeDocument/2006/relationships" xmlns:p="http://schemas.openxmlformats.org/presentationml/2006/main">
+  <p:cSld>
+    <p:spTree>
+      <p:nvGrpSpPr>
+        <p:cNvPr id="1" name=""/>
+        <p:cNvGrpSpPr/>
+        <p:nvPr/>
+      </p:nvGrpSpPr>
+      <p:grpSpPr>
+        <a:xfrm>
+          <a:off x="0" y="0"/>
+          <a:ext cx="0" cy="0"/>
+          <a:chOff x="0" y="0"/>
+          <a:chExt cx="0" cy="0"/>
+        </a:xfrm>
+      </p:grpSpPr>
+      <p:sp>
+        <p:nvSpPr>
+          <p:cNvPr id="105" name="Shape 105"/>
+          <p:cNvSpPr>
+            <a:spLocks noGrp="1" noRot="1" noChangeAspect="1"/>
+          </p:cNvSpPr>
+          <p:nvPr>
+            <p:ph type="sldImg"/>
+          </p:nvPr>
+        </p:nvSpPr>
+        <p:spPr>
+          <a:xfrm>
+            <a:off x="381000" y="685800"/>
+            <a:ext cx="6096000" cy="3429000"/>
+          </a:xfrm>
+          <a:prstGeom prst="rect">
+            <a:avLst/>
+          </a:prstGeom>
+        </p:spPr>
+        <p:txBody>
+          <a:bodyPr/>
+          <a:lstStyle/>
+          <a:p>
+            <a:endParaRPr/>
+          </a:p>
+        </p:txBody>
+      </p:sp>
+      <p:sp>
+        <p:nvSpPr>
+          <p:cNvPr id="106" name="Shape 106"/>
+          <p:cNvSpPr>
+            <a:spLocks noGrp="1"/>
+          </p:cNvSpPr>
+          <p:nvPr>
+            <p:ph type="body" sz="quarter" idx="1"/>
+          </p:nvPr>
+        </p:nvSpPr>
+        <p:spPr>
+          <a:prstGeom prst="rect">
+            <a:avLst/>
+          </a:prstGeom>
+        </p:spPr>
+        <p:txBody>
+          <a:bodyPr/>
+          <a:lstStyle/>
+          <a:p>
+            <a:r>
+              <a:t>页面和serviceWorker之间可以通过posetMessage()方法发送消息，发送的消息可以通过message事件接收到。</a:t>
+            </a:r>
+          </a:p>
+          <a:p>
+            <a:r>
+              <a:t>这是一个双向的过程，页面可以发消息给service worker，service worker也可以发送消息给页面，由于这个特性，可以将service worker作为中间纽带，使得一个域名或者子域名下的多个页面可以自由通信。</a:t>
+            </a:r>
+          </a:p>
+        </p:txBody>
+      </p:sp>
+    </p:spTree>
+    <p:extLst>
+      <p:ext uri="{BB962C8B-B14F-4D97-AF65-F5344CB8AC3E}">
+        <p14:creationId xmlns:p14="http://schemas.microsoft.com/office/powerpoint/2010/main" val="1161673609"/>
       </p:ext>
     </p:extLst>
   </p:cSld>
@@ -763,7 +714,7 @@
     </p:spTree>
     <p:extLst>
       <p:ext uri="{BB962C8B-B14F-4D97-AF65-F5344CB8AC3E}">
-        <p14:creationId xmlns:p14="http://schemas.microsoft.com/office/powerpoint/2010/main" val="1116326558"/>
+        <p14:creationId xmlns:p14="http://schemas.microsoft.com/office/powerpoint/2010/main" val="1963534298"/>
       </p:ext>
     </p:extLst>
   </p:cSld>
@@ -822,14 +773,14 @@
           <a:bodyPr/>
           <a:lstStyle/>
           <a:p>
-            <a:endParaRPr kumimoji="1" lang="zh-CN" altLang="en-US"/>
+            <a:endParaRPr kumimoji="1" lang="zh-CN" altLang="en-US" dirty="0"/>
           </a:p>
         </p:txBody>
       </p:sp>
     </p:spTree>
     <p:extLst>
       <p:ext uri="{BB962C8B-B14F-4D97-AF65-F5344CB8AC3E}">
-        <p14:creationId xmlns:p14="http://schemas.microsoft.com/office/powerpoint/2010/main" val="371773185"/>
+        <p14:creationId xmlns:p14="http://schemas.microsoft.com/office/powerpoint/2010/main" val="1116326558"/>
       </p:ext>
     </p:extLst>
   </p:cSld>
@@ -840,331 +791,6 @@
 </file>
 
 <file path=ppt/notesSlides/notesSlide13.xml><?xml version="1.0" encoding="utf-8"?>
-<p:notes xmlns:a="http://schemas.openxmlformats.org/drawingml/2006/main" xmlns:r="http://schemas.openxmlformats.org/officeDocument/2006/relationships" xmlns:p="http://schemas.openxmlformats.org/presentationml/2006/main">
-  <p:cSld>
-    <p:spTree>
-      <p:nvGrpSpPr>
-        <p:cNvPr id="1" name=""/>
-        <p:cNvGrpSpPr/>
-        <p:nvPr/>
-      </p:nvGrpSpPr>
-      <p:grpSpPr>
-        <a:xfrm>
-          <a:off x="0" y="0"/>
-          <a:ext cx="0" cy="0"/>
-          <a:chOff x="0" y="0"/>
-          <a:chExt cx="0" cy="0"/>
-        </a:xfrm>
-      </p:grpSpPr>
-      <p:sp>
-        <p:nvSpPr>
-          <p:cNvPr id="133" name="Shape 133"/>
-          <p:cNvSpPr>
-            <a:spLocks noGrp="1" noRot="1" noChangeAspect="1"/>
-          </p:cNvSpPr>
-          <p:nvPr>
-            <p:ph type="sldImg"/>
-          </p:nvPr>
-        </p:nvSpPr>
-        <p:spPr>
-          <a:xfrm>
-            <a:off x="381000" y="685800"/>
-            <a:ext cx="6096000" cy="3429000"/>
-          </a:xfrm>
-          <a:prstGeom prst="rect">
-            <a:avLst/>
-          </a:prstGeom>
-        </p:spPr>
-        <p:txBody>
-          <a:bodyPr/>
-          <a:lstStyle/>
-          <a:p>
-            <a:endParaRPr/>
-          </a:p>
-        </p:txBody>
-      </p:sp>
-      <p:sp>
-        <p:nvSpPr>
-          <p:cNvPr id="134" name="Shape 134"/>
-          <p:cNvSpPr>
-            <a:spLocks noGrp="1"/>
-          </p:cNvSpPr>
-          <p:nvPr>
-            <p:ph type="body" sz="quarter" idx="1"/>
-          </p:nvPr>
-        </p:nvSpPr>
-        <p:spPr>
-          <a:prstGeom prst="rect">
-            <a:avLst/>
-          </a:prstGeom>
-        </p:spPr>
-        <p:txBody>
-          <a:bodyPr/>
-          <a:lstStyle/>
-          <a:p>
-            <a:r>
-              <a:t>应用程序服务器是通过很多协议来为应用程序提供(serves)商业逻辑 (business logic)。</a:t>
-            </a:r>
-          </a:p>
-          <a:p>
-            <a:endParaRPr/>
-          </a:p>
-          <a:p>
-            <a:r>
-              <a:t>推送消息的过程：</a:t>
-            </a:r>
-          </a:p>
-          <a:p>
-            <a:r>
-              <a:t>1、应用程序服务器请求push server使用 WEBPUSH-PROTICOL传递一个推送消息。这个请求使用包含在推送描述中的推送端点。</a:t>
-            </a:r>
-          </a:p>
-          <a:p>
-            <a:r>
-              <a:t>2、push service传递消息到特定的用户代理（浏览器等），与此同时在消息中识别端点。</a:t>
-            </a:r>
-          </a:p>
-          <a:p>
-            <a:r>
-              <a:t>3、用户代理识别预定的service worker并且在必要的时候激活它。同时传递推送消息给service worker。</a:t>
-            </a:r>
-          </a:p>
-          <a:p>
-            <a:endParaRPr/>
-          </a:p>
-        </p:txBody>
-      </p:sp>
-    </p:spTree>
-    <p:extLst>
-      <p:ext uri="{BB962C8B-B14F-4D97-AF65-F5344CB8AC3E}">
-        <p14:creationId xmlns:p14="http://schemas.microsoft.com/office/powerpoint/2010/main" val="1474511586"/>
-      </p:ext>
-    </p:extLst>
-  </p:cSld>
-  <p:clrMapOvr>
-    <a:masterClrMapping/>
-  </p:clrMapOvr>
-</p:notes>
-</file>
-
-<file path=ppt/notesSlides/notesSlide14.xml><?xml version="1.0" encoding="utf-8"?>
-<p:notes xmlns:a="http://schemas.openxmlformats.org/drawingml/2006/main" xmlns:r="http://schemas.openxmlformats.org/officeDocument/2006/relationships" xmlns:p="http://schemas.openxmlformats.org/presentationml/2006/main">
-  <p:cSld>
-    <p:spTree>
-      <p:nvGrpSpPr>
-        <p:cNvPr id="1" name=""/>
-        <p:cNvGrpSpPr/>
-        <p:nvPr/>
-      </p:nvGrpSpPr>
-      <p:grpSpPr>
-        <a:xfrm>
-          <a:off x="0" y="0"/>
-          <a:ext cx="0" cy="0"/>
-          <a:chOff x="0" y="0"/>
-          <a:chExt cx="0" cy="0"/>
-        </a:xfrm>
-      </p:grpSpPr>
-      <p:sp>
-        <p:nvSpPr>
-          <p:cNvPr id="145" name="Shape 145"/>
-          <p:cNvSpPr>
-            <a:spLocks noGrp="1" noRot="1" noChangeAspect="1"/>
-          </p:cNvSpPr>
-          <p:nvPr>
-            <p:ph type="sldImg"/>
-          </p:nvPr>
-        </p:nvSpPr>
-        <p:spPr>
-          <a:xfrm>
-            <a:off x="381000" y="685800"/>
-            <a:ext cx="6096000" cy="3429000"/>
-          </a:xfrm>
-          <a:prstGeom prst="rect">
-            <a:avLst/>
-          </a:prstGeom>
-        </p:spPr>
-        <p:txBody>
-          <a:bodyPr/>
-          <a:lstStyle/>
-          <a:p>
-            <a:endParaRPr/>
-          </a:p>
-        </p:txBody>
-      </p:sp>
-      <p:sp>
-        <p:nvSpPr>
-          <p:cNvPr id="146" name="Shape 146"/>
-          <p:cNvSpPr>
-            <a:spLocks noGrp="1"/>
-          </p:cNvSpPr>
-          <p:nvPr>
-            <p:ph type="body" sz="quarter" idx="1"/>
-          </p:nvPr>
-        </p:nvSpPr>
-        <p:spPr>
-          <a:prstGeom prst="rect">
-            <a:avLst/>
-          </a:prstGeom>
-        </p:spPr>
-        <p:txBody>
-          <a:bodyPr/>
-          <a:lstStyle/>
-          <a:p>
-            <a:r>
-              <a:rPr dirty="0"/>
-              <a:t>这里，用户可以选择同意或者禁用当前来源（网站）的通知权限，或者不做出选择。一旦做出了选择，那么这个选择会在当前会话中保持。</a:t>
-            </a:r>
-          </a:p>
-          <a:p>
-            <a:endParaRPr dirty="0"/>
-          </a:p>
-        </p:txBody>
-      </p:sp>
-    </p:spTree>
-    <p:extLst>
-      <p:ext uri="{BB962C8B-B14F-4D97-AF65-F5344CB8AC3E}">
-        <p14:creationId xmlns:p14="http://schemas.microsoft.com/office/powerpoint/2010/main" val="154939522"/>
-      </p:ext>
-    </p:extLst>
-  </p:cSld>
-  <p:clrMapOvr>
-    <a:masterClrMapping/>
-  </p:clrMapOvr>
-</p:notes>
-</file>
-
-<file path=ppt/notesSlides/notesSlide2.xml><?xml version="1.0" encoding="utf-8"?>
-<p:notes xmlns:a="http://schemas.openxmlformats.org/drawingml/2006/main" xmlns:r="http://schemas.openxmlformats.org/officeDocument/2006/relationships" xmlns:p="http://schemas.openxmlformats.org/presentationml/2006/main">
-  <p:cSld>
-    <p:spTree>
-      <p:nvGrpSpPr>
-        <p:cNvPr id="1" name=""/>
-        <p:cNvGrpSpPr/>
-        <p:nvPr/>
-      </p:nvGrpSpPr>
-      <p:grpSpPr>
-        <a:xfrm>
-          <a:off x="0" y="0"/>
-          <a:ext cx="0" cy="0"/>
-          <a:chOff x="0" y="0"/>
-          <a:chExt cx="0" cy="0"/>
-        </a:xfrm>
-      </p:grpSpPr>
-      <p:sp>
-        <p:nvSpPr>
-          <p:cNvPr id="68" name="Shape 68"/>
-          <p:cNvSpPr>
-            <a:spLocks noGrp="1" noRot="1" noChangeAspect="1"/>
-          </p:cNvSpPr>
-          <p:nvPr>
-            <p:ph type="sldImg"/>
-          </p:nvPr>
-        </p:nvSpPr>
-        <p:spPr>
-          <a:xfrm>
-            <a:off x="381000" y="685800"/>
-            <a:ext cx="6096000" cy="3429000"/>
-          </a:xfrm>
-          <a:prstGeom prst="rect">
-            <a:avLst/>
-          </a:prstGeom>
-        </p:spPr>
-        <p:txBody>
-          <a:bodyPr/>
-          <a:lstStyle/>
-          <a:p>
-            <a:endParaRPr/>
-          </a:p>
-        </p:txBody>
-      </p:sp>
-      <p:sp>
-        <p:nvSpPr>
-          <p:cNvPr id="69" name="Shape 69"/>
-          <p:cNvSpPr>
-            <a:spLocks noGrp="1"/>
-          </p:cNvSpPr>
-          <p:nvPr>
-            <p:ph type="body" sz="quarter" idx="1"/>
-          </p:nvPr>
-        </p:nvSpPr>
-        <p:spPr>
-          <a:prstGeom prst="rect">
-            <a:avLst/>
-          </a:prstGeom>
-        </p:spPr>
-        <p:txBody>
-          <a:bodyPr/>
-          <a:lstStyle/>
-          <a:p>
-            <a:r>
-              <a:rPr dirty="0" smtClean="0"/>
-              <a:t>在官网上介绍了有</a:t>
-            </a:r>
-            <a:r>
-              <a:rPr dirty="0"/>
-              <a:t>10中特性，在这里就不一一列举了。今天主要分享的是service worker、push和notification。那么下面完们先了解一下service word。</a:t>
-            </a:r>
-          </a:p>
-          <a:p>
-            <a:r>
-              <a:rPr dirty="0"/>
-              <a:t>官网：</a:t>
-            </a:r>
-            <a:r>
-              <a:rPr u="sng" dirty="0">
-                <a:solidFill>
-                  <a:srgbClr val="0000FF"/>
-                </a:solidFill>
-                <a:uFill>
-                  <a:solidFill>
-                    <a:srgbClr val="0000FF"/>
-                  </a:solidFill>
-                </a:uFill>
-                <a:hlinkClick r:id="rId3"/>
-              </a:rPr>
-              <a:t>https://codelabs.developers.google.com/codelabs/your-first-pwapp/#0</a:t>
-            </a:r>
-            <a:r>
-              <a:rPr dirty="0"/>
-              <a:t> </a:t>
-            </a:r>
-          </a:p>
-          <a:p>
-            <a:r>
-              <a:rPr u="sng" dirty="0">
-                <a:solidFill>
-                  <a:srgbClr val="0000FF"/>
-                </a:solidFill>
-                <a:uFill>
-                  <a:solidFill>
-                    <a:srgbClr val="0000FF"/>
-                  </a:solidFill>
-                </a:uFill>
-                <a:hlinkClick r:id="rId4"/>
-              </a:rPr>
-              <a:t>https://m.alibaba.com/</a:t>
-            </a:r>
-            <a:r>
-              <a:rPr dirty="0"/>
-              <a:t> 全球第一家使用PWD的网站</a:t>
-            </a:r>
-          </a:p>
-        </p:txBody>
-      </p:sp>
-    </p:spTree>
-    <p:extLst>
-      <p:ext uri="{BB962C8B-B14F-4D97-AF65-F5344CB8AC3E}">
-        <p14:creationId xmlns:p14="http://schemas.microsoft.com/office/powerpoint/2010/main" val="452308027"/>
-      </p:ext>
-    </p:extLst>
-  </p:cSld>
-  <p:clrMapOvr>
-    <a:masterClrMapping/>
-  </p:clrMapOvr>
-</p:notes>
-</file>
-
-<file path=ppt/notesSlides/notesSlide3.xml><?xml version="1.0" encoding="utf-8"?>
 <p:notes xmlns:a="http://schemas.openxmlformats.org/drawingml/2006/main" xmlns:r="http://schemas.openxmlformats.org/officeDocument/2006/relationships" xmlns:p="http://schemas.openxmlformats.org/presentationml/2006/main">
   <p:cSld>
     <p:spTree>
@@ -1213,6 +839,533 @@
           <a:bodyPr/>
           <a:lstStyle/>
           <a:p>
+            <a:endParaRPr kumimoji="1" lang="zh-CN" altLang="en-US"/>
+          </a:p>
+        </p:txBody>
+      </p:sp>
+    </p:spTree>
+    <p:extLst>
+      <p:ext uri="{BB962C8B-B14F-4D97-AF65-F5344CB8AC3E}">
+        <p14:creationId xmlns:p14="http://schemas.microsoft.com/office/powerpoint/2010/main" val="371773185"/>
+      </p:ext>
+    </p:extLst>
+  </p:cSld>
+  <p:clrMapOvr>
+    <a:masterClrMapping/>
+  </p:clrMapOvr>
+</p:notes>
+</file>
+
+<file path=ppt/notesSlides/notesSlide14.xml><?xml version="1.0" encoding="utf-8"?>
+<p:notes xmlns:a="http://schemas.openxmlformats.org/drawingml/2006/main" xmlns:r="http://schemas.openxmlformats.org/officeDocument/2006/relationships" xmlns:p="http://schemas.openxmlformats.org/presentationml/2006/main">
+  <p:cSld>
+    <p:spTree>
+      <p:nvGrpSpPr>
+        <p:cNvPr id="1" name=""/>
+        <p:cNvGrpSpPr/>
+        <p:nvPr/>
+      </p:nvGrpSpPr>
+      <p:grpSpPr>
+        <a:xfrm>
+          <a:off x="0" y="0"/>
+          <a:ext cx="0" cy="0"/>
+          <a:chOff x="0" y="0"/>
+          <a:chExt cx="0" cy="0"/>
+        </a:xfrm>
+      </p:grpSpPr>
+      <p:sp>
+        <p:nvSpPr>
+          <p:cNvPr id="133" name="Shape 133"/>
+          <p:cNvSpPr>
+            <a:spLocks noGrp="1" noRot="1" noChangeAspect="1"/>
+          </p:cNvSpPr>
+          <p:nvPr>
+            <p:ph type="sldImg"/>
+          </p:nvPr>
+        </p:nvSpPr>
+        <p:spPr>
+          <a:xfrm>
+            <a:off x="381000" y="685800"/>
+            <a:ext cx="6096000" cy="3429000"/>
+          </a:xfrm>
+          <a:prstGeom prst="rect">
+            <a:avLst/>
+          </a:prstGeom>
+        </p:spPr>
+        <p:txBody>
+          <a:bodyPr/>
+          <a:lstStyle/>
+          <a:p>
+            <a:endParaRPr/>
+          </a:p>
+        </p:txBody>
+      </p:sp>
+      <p:sp>
+        <p:nvSpPr>
+          <p:cNvPr id="134" name="Shape 134"/>
+          <p:cNvSpPr>
+            <a:spLocks noGrp="1"/>
+          </p:cNvSpPr>
+          <p:nvPr>
+            <p:ph type="body" sz="quarter" idx="1"/>
+          </p:nvPr>
+        </p:nvSpPr>
+        <p:spPr>
+          <a:prstGeom prst="rect">
+            <a:avLst/>
+          </a:prstGeom>
+        </p:spPr>
+        <p:txBody>
+          <a:bodyPr/>
+          <a:lstStyle/>
+          <a:p>
+            <a:r>
+              <a:t>应用程序服务器是通过很多协议来为应用程序提供(serves)商业逻辑 (business logic)。</a:t>
+            </a:r>
+          </a:p>
+          <a:p>
+            <a:endParaRPr/>
+          </a:p>
+          <a:p>
+            <a:r>
+              <a:t>推送消息的过程：</a:t>
+            </a:r>
+          </a:p>
+          <a:p>
+            <a:r>
+              <a:t>1、应用程序服务器请求push server使用 WEBPUSH-PROTICOL传递一个推送消息。这个请求使用包含在推送描述中的推送端点。</a:t>
+            </a:r>
+          </a:p>
+          <a:p>
+            <a:r>
+              <a:t>2、push service传递消息到特定的用户代理（浏览器等），与此同时在消息中识别端点。</a:t>
+            </a:r>
+          </a:p>
+          <a:p>
+            <a:r>
+              <a:t>3、用户代理识别预定的service worker并且在必要的时候激活它。同时传递推送消息给service worker。</a:t>
+            </a:r>
+          </a:p>
+          <a:p>
+            <a:endParaRPr/>
+          </a:p>
+        </p:txBody>
+      </p:sp>
+    </p:spTree>
+    <p:extLst>
+      <p:ext uri="{BB962C8B-B14F-4D97-AF65-F5344CB8AC3E}">
+        <p14:creationId xmlns:p14="http://schemas.microsoft.com/office/powerpoint/2010/main" val="1474511586"/>
+      </p:ext>
+    </p:extLst>
+  </p:cSld>
+  <p:clrMapOvr>
+    <a:masterClrMapping/>
+  </p:clrMapOvr>
+</p:notes>
+</file>
+
+<file path=ppt/notesSlides/notesSlide15.xml><?xml version="1.0" encoding="utf-8"?>
+<p:notes xmlns:a="http://schemas.openxmlformats.org/drawingml/2006/main" xmlns:r="http://schemas.openxmlformats.org/officeDocument/2006/relationships" xmlns:p="http://schemas.openxmlformats.org/presentationml/2006/main">
+  <p:cSld>
+    <p:spTree>
+      <p:nvGrpSpPr>
+        <p:cNvPr id="1" name=""/>
+        <p:cNvGrpSpPr/>
+        <p:nvPr/>
+      </p:nvGrpSpPr>
+      <p:grpSpPr>
+        <a:xfrm>
+          <a:off x="0" y="0"/>
+          <a:ext cx="0" cy="0"/>
+          <a:chOff x="0" y="0"/>
+          <a:chExt cx="0" cy="0"/>
+        </a:xfrm>
+      </p:grpSpPr>
+      <p:sp>
+        <p:nvSpPr>
+          <p:cNvPr id="145" name="Shape 145"/>
+          <p:cNvSpPr>
+            <a:spLocks noGrp="1" noRot="1" noChangeAspect="1"/>
+          </p:cNvSpPr>
+          <p:nvPr>
+            <p:ph type="sldImg"/>
+          </p:nvPr>
+        </p:nvSpPr>
+        <p:spPr>
+          <a:xfrm>
+            <a:off x="381000" y="685800"/>
+            <a:ext cx="6096000" cy="3429000"/>
+          </a:xfrm>
+          <a:prstGeom prst="rect">
+            <a:avLst/>
+          </a:prstGeom>
+        </p:spPr>
+        <p:txBody>
+          <a:bodyPr/>
+          <a:lstStyle/>
+          <a:p>
+            <a:endParaRPr/>
+          </a:p>
+        </p:txBody>
+      </p:sp>
+      <p:sp>
+        <p:nvSpPr>
+          <p:cNvPr id="146" name="Shape 146"/>
+          <p:cNvSpPr>
+            <a:spLocks noGrp="1"/>
+          </p:cNvSpPr>
+          <p:nvPr>
+            <p:ph type="body" sz="quarter" idx="1"/>
+          </p:nvPr>
+        </p:nvSpPr>
+        <p:spPr>
+          <a:prstGeom prst="rect">
+            <a:avLst/>
+          </a:prstGeom>
+        </p:spPr>
+        <p:txBody>
+          <a:bodyPr/>
+          <a:lstStyle/>
+          <a:p>
+            <a:r>
+              <a:rPr dirty="0"/>
+              <a:t>这里，用户可以选择同意或者禁用当前来源（网站）的通知权限，或者不做出选择。一旦做出了选择，那么这个选择会在当前会话中保持。</a:t>
+            </a:r>
+          </a:p>
+          <a:p>
+            <a:endParaRPr dirty="0"/>
+          </a:p>
+        </p:txBody>
+      </p:sp>
+    </p:spTree>
+    <p:extLst>
+      <p:ext uri="{BB962C8B-B14F-4D97-AF65-F5344CB8AC3E}">
+        <p14:creationId xmlns:p14="http://schemas.microsoft.com/office/powerpoint/2010/main" val="154939522"/>
+      </p:ext>
+    </p:extLst>
+  </p:cSld>
+  <p:clrMapOvr>
+    <a:masterClrMapping/>
+  </p:clrMapOvr>
+</p:notes>
+</file>
+
+<file path=ppt/notesSlides/notesSlide2.xml><?xml version="1.0" encoding="utf-8"?>
+<p:notes xmlns:a="http://schemas.openxmlformats.org/drawingml/2006/main" xmlns:r="http://schemas.openxmlformats.org/officeDocument/2006/relationships" xmlns:p="http://schemas.openxmlformats.org/presentationml/2006/main">
+  <p:cSld>
+    <p:spTree>
+      <p:nvGrpSpPr>
+        <p:cNvPr id="1" name=""/>
+        <p:cNvGrpSpPr/>
+        <p:nvPr/>
+      </p:nvGrpSpPr>
+      <p:grpSpPr>
+        <a:xfrm>
+          <a:off x="0" y="0"/>
+          <a:ext cx="0" cy="0"/>
+          <a:chOff x="0" y="0"/>
+          <a:chExt cx="0" cy="0"/>
+        </a:xfrm>
+      </p:grpSpPr>
+      <p:sp>
+        <p:nvSpPr>
+          <p:cNvPr id="63" name="Shape 63"/>
+          <p:cNvSpPr>
+            <a:spLocks noGrp="1" noRot="1" noChangeAspect="1"/>
+          </p:cNvSpPr>
+          <p:nvPr>
+            <p:ph type="sldImg"/>
+          </p:nvPr>
+        </p:nvSpPr>
+        <p:spPr>
+          <a:xfrm>
+            <a:off x="381000" y="685800"/>
+            <a:ext cx="6096000" cy="3429000"/>
+          </a:xfrm>
+          <a:prstGeom prst="rect">
+            <a:avLst/>
+          </a:prstGeom>
+        </p:spPr>
+        <p:txBody>
+          <a:bodyPr/>
+          <a:lstStyle/>
+          <a:p>
+            <a:endParaRPr/>
+          </a:p>
+        </p:txBody>
+      </p:sp>
+      <p:sp>
+        <p:nvSpPr>
+          <p:cNvPr id="64" name="Shape 64"/>
+          <p:cNvSpPr>
+            <a:spLocks noGrp="1"/>
+          </p:cNvSpPr>
+          <p:nvPr>
+            <p:ph type="body" sz="quarter" idx="1"/>
+          </p:nvPr>
+        </p:nvSpPr>
+        <p:spPr>
+          <a:prstGeom prst="rect">
+            <a:avLst/>
+          </a:prstGeom>
+        </p:spPr>
+        <p:txBody>
+          <a:bodyPr/>
+          <a:lstStyle/>
+          <a:p>
+            <a:r>
+              <a:t>PWD是Google推出的。</a:t>
+            </a:r>
+          </a:p>
+          <a:p>
+            <a:endParaRPr/>
+          </a:p>
+          <a:p>
+            <a:r>
+              <a:t>备注：</a:t>
+            </a:r>
+          </a:p>
+          <a:p>
+            <a:r>
+              <a:t>如果搜索下 PWA 的历史就会发现，它第一次出现于 Googler Alex Russell 的博客文章《Progressive Web Apps: Escaping Tabs Without Losing Our Soul》中，其主要观点是：Web 的发展方向应该是”在保留灵魂的基础上渐进增强”，而非现在大行其道的 Hybrid App 方向。</a:t>
+            </a:r>
+          </a:p>
+          <a:p>
+            <a:endParaRPr/>
+          </a:p>
+          <a:p>
+            <a:r>
+              <a:t>总结一下，文章里的 Progressive 主要有这两层含义：</a:t>
+            </a:r>
+          </a:p>
+          <a:p>
+            <a:r>
+              <a:t>如果用户需要，网页可以渐进式地变成 App，比如被添加到主屏幕、全屏方式运行、离线工作、推送通知消息等。但它仍是 Web 而非放到 App Store 里。</a:t>
+            </a:r>
+          </a:p>
+          <a:p>
+            <a:r>
+              <a:t>所有这些“使得 Web 更能与 App 匹敌”的特性都是以渐进的方式增强的，在比传统网页应用更好的同时也保证了降级兼容。</a:t>
+            </a:r>
+          </a:p>
+          <a:p>
+            <a:endParaRPr/>
+          </a:p>
+          <a:p>
+            <a:r>
+              <a:t>作者：黄玄</a:t>
+            </a:r>
+          </a:p>
+          <a:p>
+            <a:r>
+              <a:t>链接：https://www.zhihu.com/question/46690207/answer/104851767</a:t>
+            </a:r>
+          </a:p>
+          <a:p>
+            <a:r>
+              <a:t>来源：知乎</a:t>
+            </a:r>
+          </a:p>
+          <a:p>
+            <a:r>
+              <a:t>著作权归作者所有，转载请联系作者获得授权。</a:t>
+            </a:r>
+          </a:p>
+        </p:txBody>
+      </p:sp>
+    </p:spTree>
+    <p:extLst>
+      <p:ext uri="{BB962C8B-B14F-4D97-AF65-F5344CB8AC3E}">
+        <p14:creationId xmlns:p14="http://schemas.microsoft.com/office/powerpoint/2010/main" val="397657013"/>
+      </p:ext>
+    </p:extLst>
+  </p:cSld>
+  <p:clrMapOvr>
+    <a:masterClrMapping/>
+  </p:clrMapOvr>
+</p:notes>
+</file>
+
+<file path=ppt/notesSlides/notesSlide3.xml><?xml version="1.0" encoding="utf-8"?>
+<p:notes xmlns:a="http://schemas.openxmlformats.org/drawingml/2006/main" xmlns:r="http://schemas.openxmlformats.org/officeDocument/2006/relationships" xmlns:p="http://schemas.openxmlformats.org/presentationml/2006/main">
+  <p:cSld>
+    <p:spTree>
+      <p:nvGrpSpPr>
+        <p:cNvPr id="1" name=""/>
+        <p:cNvGrpSpPr/>
+        <p:nvPr/>
+      </p:nvGrpSpPr>
+      <p:grpSpPr>
+        <a:xfrm>
+          <a:off x="0" y="0"/>
+          <a:ext cx="0" cy="0"/>
+          <a:chOff x="0" y="0"/>
+          <a:chExt cx="0" cy="0"/>
+        </a:xfrm>
+      </p:grpSpPr>
+      <p:sp>
+        <p:nvSpPr>
+          <p:cNvPr id="68" name="Shape 68"/>
+          <p:cNvSpPr>
+            <a:spLocks noGrp="1" noRot="1" noChangeAspect="1"/>
+          </p:cNvSpPr>
+          <p:nvPr>
+            <p:ph type="sldImg"/>
+          </p:nvPr>
+        </p:nvSpPr>
+        <p:spPr>
+          <a:xfrm>
+            <a:off x="381000" y="685800"/>
+            <a:ext cx="6096000" cy="3429000"/>
+          </a:xfrm>
+          <a:prstGeom prst="rect">
+            <a:avLst/>
+          </a:prstGeom>
+        </p:spPr>
+        <p:txBody>
+          <a:bodyPr/>
+          <a:lstStyle/>
+          <a:p>
+            <a:endParaRPr/>
+          </a:p>
+        </p:txBody>
+      </p:sp>
+      <p:sp>
+        <p:nvSpPr>
+          <p:cNvPr id="69" name="Shape 69"/>
+          <p:cNvSpPr>
+            <a:spLocks noGrp="1"/>
+          </p:cNvSpPr>
+          <p:nvPr>
+            <p:ph type="body" sz="quarter" idx="1"/>
+          </p:nvPr>
+        </p:nvSpPr>
+        <p:spPr>
+          <a:prstGeom prst="rect">
+            <a:avLst/>
+          </a:prstGeom>
+        </p:spPr>
+        <p:txBody>
+          <a:bodyPr/>
+          <a:lstStyle/>
+          <a:p>
+            <a:r>
+              <a:rPr dirty="0" smtClean="0"/>
+              <a:t>在官网上介绍了有</a:t>
+            </a:r>
+            <a:r>
+              <a:rPr dirty="0"/>
+              <a:t>10中特性，在这里就不一一列举了。今天主要分享的是service worker、push和notification。那么下面完们先了解一下service word。</a:t>
+            </a:r>
+          </a:p>
+          <a:p>
+            <a:r>
+              <a:rPr dirty="0"/>
+              <a:t>官网：</a:t>
+            </a:r>
+            <a:r>
+              <a:rPr u="sng" dirty="0">
+                <a:solidFill>
+                  <a:srgbClr val="0000FF"/>
+                </a:solidFill>
+                <a:uFill>
+                  <a:solidFill>
+                    <a:srgbClr val="0000FF"/>
+                  </a:solidFill>
+                </a:uFill>
+                <a:hlinkClick r:id="rId3"/>
+              </a:rPr>
+              <a:t>https://codelabs.developers.google.com/codelabs/your-first-pwapp/#0</a:t>
+            </a:r>
+            <a:r>
+              <a:rPr dirty="0"/>
+              <a:t> </a:t>
+            </a:r>
+          </a:p>
+          <a:p>
+            <a:r>
+              <a:rPr u="sng" dirty="0">
+                <a:solidFill>
+                  <a:srgbClr val="0000FF"/>
+                </a:solidFill>
+                <a:uFill>
+                  <a:solidFill>
+                    <a:srgbClr val="0000FF"/>
+                  </a:solidFill>
+                </a:uFill>
+                <a:hlinkClick r:id="rId4"/>
+              </a:rPr>
+              <a:t>https://m.alibaba.com/</a:t>
+            </a:r>
+            <a:r>
+              <a:rPr dirty="0"/>
+              <a:t> 全球第一家使用PWD的网站</a:t>
+            </a:r>
+          </a:p>
+        </p:txBody>
+      </p:sp>
+    </p:spTree>
+    <p:extLst>
+      <p:ext uri="{BB962C8B-B14F-4D97-AF65-F5344CB8AC3E}">
+        <p14:creationId xmlns:p14="http://schemas.microsoft.com/office/powerpoint/2010/main" val="452308027"/>
+      </p:ext>
+    </p:extLst>
+  </p:cSld>
+  <p:clrMapOvr>
+    <a:masterClrMapping/>
+  </p:clrMapOvr>
+</p:notes>
+</file>
+
+<file path=ppt/notesSlides/notesSlide4.xml><?xml version="1.0" encoding="utf-8"?>
+<p:notes xmlns:a="http://schemas.openxmlformats.org/drawingml/2006/main" xmlns:r="http://schemas.openxmlformats.org/officeDocument/2006/relationships" xmlns:p="http://schemas.openxmlformats.org/presentationml/2006/main">
+  <p:cSld>
+    <p:spTree>
+      <p:nvGrpSpPr>
+        <p:cNvPr id="1" name=""/>
+        <p:cNvGrpSpPr/>
+        <p:nvPr/>
+      </p:nvGrpSpPr>
+      <p:grpSpPr>
+        <a:xfrm>
+          <a:off x="0" y="0"/>
+          <a:ext cx="0" cy="0"/>
+          <a:chOff x="0" y="0"/>
+          <a:chExt cx="0" cy="0"/>
+        </a:xfrm>
+      </p:grpSpPr>
+      <p:sp>
+        <p:nvSpPr>
+          <p:cNvPr id="2" name="幻灯片图像占位符 1"/>
+          <p:cNvSpPr>
+            <a:spLocks noGrp="1" noRot="1" noChangeAspect="1"/>
+          </p:cNvSpPr>
+          <p:nvPr>
+            <p:ph type="sldImg"/>
+          </p:nvPr>
+        </p:nvSpPr>
+        <p:spPr>
+          <a:xfrm>
+            <a:off x="381000" y="685800"/>
+            <a:ext cx="6096000" cy="3429000"/>
+          </a:xfrm>
+        </p:spPr>
+      </p:sp>
+      <p:sp>
+        <p:nvSpPr>
+          <p:cNvPr id="3" name="备注占位符 2"/>
+          <p:cNvSpPr>
+            <a:spLocks noGrp="1"/>
+          </p:cNvSpPr>
+          <p:nvPr>
+            <p:ph type="body" idx="1"/>
+          </p:nvPr>
+        </p:nvSpPr>
+        <p:spPr/>
+        <p:txBody>
+          <a:bodyPr/>
+          <a:lstStyle/>
+          <a:p>
             <a:endParaRPr kumimoji="1" lang="zh-CN" altLang="en-US" dirty="0"/>
           </a:p>
         </p:txBody>
@@ -1230,7 +1383,7 @@
 </p:notes>
 </file>
 
-<file path=ppt/notesSlides/notesSlide4.xml><?xml version="1.0" encoding="utf-8"?>
+<file path=ppt/notesSlides/notesSlide5.xml><?xml version="1.0" encoding="utf-8"?>
 <p:notes xmlns:a="http://schemas.openxmlformats.org/drawingml/2006/main" xmlns:r="http://schemas.openxmlformats.org/officeDocument/2006/relationships" xmlns:p="http://schemas.openxmlformats.org/presentationml/2006/main">
   <p:cSld>
     <p:spTree>
@@ -1321,7 +1474,7 @@
 </p:notes>
 </file>
 
-<file path=ppt/notesSlides/notesSlide5.xml><?xml version="1.0" encoding="utf-8"?>
+<file path=ppt/notesSlides/notesSlide6.xml><?xml version="1.0" encoding="utf-8"?>
 <p:notes xmlns:a="http://schemas.openxmlformats.org/drawingml/2006/main" xmlns:r="http://schemas.openxmlformats.org/officeDocument/2006/relationships" xmlns:p="http://schemas.openxmlformats.org/presentationml/2006/main">
   <p:cSld>
     <p:spTree>
@@ -1414,7 +1567,7 @@
 </p:notes>
 </file>
 
-<file path=ppt/notesSlides/notesSlide6.xml><?xml version="1.0" encoding="utf-8"?>
+<file path=ppt/notesSlides/notesSlide7.xml><?xml version="1.0" encoding="utf-8"?>
 <p:notes xmlns:a="http://schemas.openxmlformats.org/drawingml/2006/main" xmlns:r="http://schemas.openxmlformats.org/officeDocument/2006/relationships" xmlns:p="http://schemas.openxmlformats.org/presentationml/2006/main">
   <p:cSld>
     <p:spTree>
@@ -1493,7 +1646,7 @@
 </p:notes>
 </file>
 
-<file path=ppt/notesSlides/notesSlide7.xml><?xml version="1.0" encoding="utf-8"?>
+<file path=ppt/notesSlides/notesSlide8.xml><?xml version="1.0" encoding="utf-8"?>
 <p:notes xmlns:a="http://schemas.openxmlformats.org/drawingml/2006/main" xmlns:r="http://schemas.openxmlformats.org/officeDocument/2006/relationships" xmlns:p="http://schemas.openxmlformats.org/presentationml/2006/main">
   <p:cSld>
     <p:spTree>
@@ -1636,7 +1789,7 @@
 </p:notes>
 </file>
 
-<file path=ppt/notesSlides/notesSlide8.xml><?xml version="1.0" encoding="utf-8"?>
+<file path=ppt/notesSlides/notesSlide9.xml><?xml version="1.0" encoding="utf-8"?>
 <p:notes xmlns:a="http://schemas.openxmlformats.org/drawingml/2006/main" xmlns:r="http://schemas.openxmlformats.org/officeDocument/2006/relationships" xmlns:p="http://schemas.openxmlformats.org/presentationml/2006/main">
   <p:cSld>
     <p:spTree>
@@ -1746,93 +1899,6 @@
     <p:extLst>
       <p:ext uri="{BB962C8B-B14F-4D97-AF65-F5344CB8AC3E}">
         <p14:creationId xmlns:p14="http://schemas.microsoft.com/office/powerpoint/2010/main" val="1205992285"/>
-      </p:ext>
-    </p:extLst>
-  </p:cSld>
-  <p:clrMapOvr>
-    <a:masterClrMapping/>
-  </p:clrMapOvr>
-</p:notes>
-</file>
-
-<file path=ppt/notesSlides/notesSlide9.xml><?xml version="1.0" encoding="utf-8"?>
-<p:notes xmlns:a="http://schemas.openxmlformats.org/drawingml/2006/main" xmlns:r="http://schemas.openxmlformats.org/officeDocument/2006/relationships" xmlns:p="http://schemas.openxmlformats.org/presentationml/2006/main">
-  <p:cSld>
-    <p:spTree>
-      <p:nvGrpSpPr>
-        <p:cNvPr id="1" name=""/>
-        <p:cNvGrpSpPr/>
-        <p:nvPr/>
-      </p:nvGrpSpPr>
-      <p:grpSpPr>
-        <a:xfrm>
-          <a:off x="0" y="0"/>
-          <a:ext cx="0" cy="0"/>
-          <a:chOff x="0" y="0"/>
-          <a:chExt cx="0" cy="0"/>
-        </a:xfrm>
-      </p:grpSpPr>
-      <p:sp>
-        <p:nvSpPr>
-          <p:cNvPr id="105" name="Shape 105"/>
-          <p:cNvSpPr>
-            <a:spLocks noGrp="1" noRot="1" noChangeAspect="1"/>
-          </p:cNvSpPr>
-          <p:nvPr>
-            <p:ph type="sldImg"/>
-          </p:nvPr>
-        </p:nvSpPr>
-        <p:spPr>
-          <a:xfrm>
-            <a:off x="381000" y="685800"/>
-            <a:ext cx="6096000" cy="3429000"/>
-          </a:xfrm>
-          <a:prstGeom prst="rect">
-            <a:avLst/>
-          </a:prstGeom>
-        </p:spPr>
-        <p:txBody>
-          <a:bodyPr/>
-          <a:lstStyle/>
-          <a:p>
-            <a:endParaRPr/>
-          </a:p>
-        </p:txBody>
-      </p:sp>
-      <p:sp>
-        <p:nvSpPr>
-          <p:cNvPr id="106" name="Shape 106"/>
-          <p:cNvSpPr>
-            <a:spLocks noGrp="1"/>
-          </p:cNvSpPr>
-          <p:nvPr>
-            <p:ph type="body" sz="quarter" idx="1"/>
-          </p:nvPr>
-        </p:nvSpPr>
-        <p:spPr>
-          <a:prstGeom prst="rect">
-            <a:avLst/>
-          </a:prstGeom>
-        </p:spPr>
-        <p:txBody>
-          <a:bodyPr/>
-          <a:lstStyle/>
-          <a:p>
-            <a:r>
-              <a:t>页面和serviceWorker之间可以通过posetMessage()方法发送消息，发送的消息可以通过message事件接收到。</a:t>
-            </a:r>
-          </a:p>
-          <a:p>
-            <a:r>
-              <a:t>这是一个双向的过程，页面可以发消息给service worker，service worker也可以发送消息给页面，由于这个特性，可以将service worker作为中间纽带，使得一个域名或者子域名下的多个页面可以自由通信。</a:t>
-            </a:r>
-          </a:p>
-        </p:txBody>
-      </p:sp>
-    </p:spTree>
-    <p:extLst>
-      <p:ext uri="{BB962C8B-B14F-4D97-AF65-F5344CB8AC3E}">
-        <p14:creationId xmlns:p14="http://schemas.microsoft.com/office/powerpoint/2010/main" val="1161673609"/>
       </p:ext>
     </p:extLst>
   </p:cSld>
@@ -2540,7 +2606,7 @@
           </a:ln>
           <a:extLst>
             <a:ext uri="{C572A759-6A51-4108-AA02-DFA0A04FC94B}">
-              <ma14:wrappingTextBoxFlag xmlns:ma14="http://schemas.microsoft.com/office/mac/drawingml/2011/main" val="1"/>
+              <ma14:wrappingTextBoxFlag xmlns:ma14="http://schemas.microsoft.com/office/mac/drawingml/2011/main" xmlns="" val="1"/>
             </a:ext>
           </a:extLst>
         </p:spPr>
@@ -2579,7 +2645,7 @@
           </a:ln>
           <a:extLst>
             <a:ext uri="{C572A759-6A51-4108-AA02-DFA0A04FC94B}">
-              <ma14:wrappingTextBoxFlag xmlns:ma14="http://schemas.microsoft.com/office/mac/drawingml/2011/main" val="1"/>
+              <ma14:wrappingTextBoxFlag xmlns:ma14="http://schemas.microsoft.com/office/mac/drawingml/2011/main" xmlns="" val="1"/>
             </a:ext>
           </a:extLst>
         </p:spPr>
@@ -3567,7 +3633,7 @@
           </a:ln>
           <a:extLst>
             <a:ext uri="{C572A759-6A51-4108-AA02-DFA0A04FC94B}">
-              <ma14:wrappingTextBoxFlag xmlns:ma14="http://schemas.microsoft.com/office/mac/drawingml/2011/main" val="1"/>
+              <ma14:wrappingTextBoxFlag xmlns:ma14="http://schemas.microsoft.com/office/mac/drawingml/2011/main" xmlns="" val="1"/>
             </a:ext>
           </a:extLst>
         </p:spPr>
@@ -3898,7 +3964,7 @@
           </a:ln>
           <a:extLst>
             <a:ext uri="{C572A759-6A51-4108-AA02-DFA0A04FC94B}">
-              <ma14:wrappingTextBoxFlag xmlns:ma14="http://schemas.microsoft.com/office/mac/drawingml/2011/main" val="1"/>
+              <ma14:wrappingTextBoxFlag xmlns:ma14="http://schemas.microsoft.com/office/mac/drawingml/2011/main" xmlns="" val="1"/>
             </a:ext>
           </a:extLst>
         </p:spPr>
@@ -4898,7 +4964,7 @@
           </a:ln>
           <a:extLst>
             <a:ext uri="{C572A759-6A51-4108-AA02-DFA0A04FC94B}">
-              <ma14:wrappingTextBoxFlag xmlns:ma14="http://schemas.microsoft.com/office/mac/drawingml/2011/main" val="1"/>
+              <ma14:wrappingTextBoxFlag xmlns:ma14="http://schemas.microsoft.com/office/mac/drawingml/2011/main" xmlns="" val="1"/>
             </a:ext>
           </a:extLst>
         </p:spPr>
@@ -5471,7 +5537,7 @@
           </a:ln>
           <a:extLst>
             <a:ext uri="{C572A759-6A51-4108-AA02-DFA0A04FC94B}">
-              <ma14:wrappingTextBoxFlag xmlns:ma14="http://schemas.microsoft.com/office/mac/drawingml/2011/main" val="1"/>
+              <ma14:wrappingTextBoxFlag xmlns:ma14="http://schemas.microsoft.com/office/mac/drawingml/2011/main" xmlns="" val="1"/>
             </a:ext>
           </a:extLst>
         </p:spPr>
@@ -5506,7 +5572,7 @@
           </a:ln>
           <a:extLst>
             <a:ext uri="{C572A759-6A51-4108-AA02-DFA0A04FC94B}">
-              <ma14:wrappingTextBoxFlag xmlns:ma14="http://schemas.microsoft.com/office/mac/drawingml/2011/main" val="1"/>
+              <ma14:wrappingTextBoxFlag xmlns:ma14="http://schemas.microsoft.com/office/mac/drawingml/2011/main" xmlns="" val="1"/>
             </a:ext>
           </a:extLst>
         </p:spPr>
@@ -5610,7 +5676,7 @@
           </a:ln>
           <a:extLst>
             <a:ext uri="{C572A759-6A51-4108-AA02-DFA0A04FC94B}">
-              <ma14:wrappingTextBoxFlag xmlns:ma14="http://schemas.microsoft.com/office/mac/drawingml/2011/main" val="1"/>
+              <ma14:wrappingTextBoxFlag xmlns:ma14="http://schemas.microsoft.com/office/mac/drawingml/2011/main" xmlns="" val="1"/>
             </a:ext>
           </a:extLst>
         </p:spPr>
@@ -5866,7 +5932,7 @@
           </a:ln>
           <a:extLst>
             <a:ext uri="{C572A759-6A51-4108-AA02-DFA0A04FC94B}">
-              <ma14:wrappingTextBoxFlag xmlns:ma14="http://schemas.microsoft.com/office/mac/drawingml/2011/main" val="1"/>
+              <ma14:wrappingTextBoxFlag xmlns:ma14="http://schemas.microsoft.com/office/mac/drawingml/2011/main" xmlns="" val="1"/>
             </a:ext>
           </a:extLst>
         </p:spPr>
@@ -5910,7 +5976,7 @@
           </a:ln>
           <a:extLst>
             <a:ext uri="{C572A759-6A51-4108-AA02-DFA0A04FC94B}">
-              <ma14:wrappingTextBoxFlag xmlns:ma14="http://schemas.microsoft.com/office/mac/drawingml/2011/main" val="1"/>
+              <ma14:wrappingTextBoxFlag xmlns:ma14="http://schemas.microsoft.com/office/mac/drawingml/2011/main" xmlns="" val="1"/>
             </a:ext>
           </a:extLst>
         </p:spPr>
@@ -5994,7 +6060,7 @@
           </a:ln>
           <a:extLst>
             <a:ext uri="{C572A759-6A51-4108-AA02-DFA0A04FC94B}">
-              <ma14:wrappingTextBoxFlag xmlns:ma14="http://schemas.microsoft.com/office/mac/drawingml/2011/main" val="1"/>
+              <ma14:wrappingTextBoxFlag xmlns:ma14="http://schemas.microsoft.com/office/mac/drawingml/2011/main" xmlns="" val="1"/>
             </a:ext>
           </a:extLst>
         </p:spPr>
@@ -6102,7 +6168,7 @@
           </a:ln>
           <a:extLst>
             <a:ext uri="{C572A759-6A51-4108-AA02-DFA0A04FC94B}">
-              <ma14:wrappingTextBoxFlag xmlns:ma14="http://schemas.microsoft.com/office/mac/drawingml/2011/main" val="1"/>
+              <ma14:wrappingTextBoxFlag xmlns:ma14="http://schemas.microsoft.com/office/mac/drawingml/2011/main" xmlns="" val="1"/>
             </a:ext>
           </a:extLst>
         </p:spPr>
@@ -6199,7 +6265,7 @@
           </a:ln>
           <a:extLst>
             <a:ext uri="{C572A759-6A51-4108-AA02-DFA0A04FC94B}">
-              <ma14:wrappingTextBoxFlag xmlns:ma14="http://schemas.microsoft.com/office/mac/drawingml/2011/main" val="1"/>
+              <ma14:wrappingTextBoxFlag xmlns:ma14="http://schemas.microsoft.com/office/mac/drawingml/2011/main" xmlns="" val="1"/>
             </a:ext>
           </a:extLst>
         </p:spPr>
@@ -6620,7 +6686,7 @@
           </a:ln>
           <a:extLst>
             <a:ext uri="{C572A759-6A51-4108-AA02-DFA0A04FC94B}">
-              <ma14:wrappingTextBoxFlag xmlns:ma14="http://schemas.microsoft.com/office/mac/drawingml/2011/main" val="1"/>
+              <ma14:wrappingTextBoxFlag xmlns:ma14="http://schemas.microsoft.com/office/mac/drawingml/2011/main" xmlns="" val="1"/>
             </a:ext>
           </a:extLst>
         </p:spPr>
@@ -7523,6 +7589,83 @@
           <a:chExt cx="0" cy="0"/>
         </a:xfrm>
       </p:grpSpPr>
+      <p:sp>
+        <p:nvSpPr>
+          <p:cNvPr id="2" name="文本框 1"/>
+          <p:cNvSpPr txBox="1"/>
+          <p:nvPr/>
+        </p:nvSpPr>
+        <p:spPr>
+          <a:xfrm>
+            <a:off x="4254759" y="1175657"/>
+            <a:ext cx="553996" cy="369330"/>
+          </a:xfrm>
+          <a:prstGeom prst="rect">
+            <a:avLst/>
+          </a:prstGeom>
+          <a:noFill/>
+          <a:ln w="12700" cap="flat">
+            <a:noFill/>
+            <a:miter lim="400000"/>
+          </a:ln>
+          <a:effectLst/>
+          <a:sp3d/>
+        </p:spPr>
+        <p:style>
+          <a:lnRef idx="0">
+            <a:scrgbClr r="0" g="0" b="0"/>
+          </a:lnRef>
+          <a:fillRef idx="0">
+            <a:scrgbClr r="0" g="0" b="0"/>
+          </a:fillRef>
+          <a:effectRef idx="0">
+            <a:scrgbClr r="0" g="0" b="0"/>
+          </a:effectRef>
+          <a:fontRef idx="none"/>
+        </p:style>
+        <p:txBody>
+          <a:bodyPr rot="0" spcFirstLastPara="1" vertOverflow="overflow" horzOverflow="overflow" vert="horz" wrap="none" lIns="45719" tIns="45719" rIns="45719" bIns="45719" numCol="1" spcCol="38100" rtlCol="0" anchor="t">
+            <a:spAutoFit/>
+          </a:bodyPr>
+          <a:lstStyle/>
+          <a:p>
+            <a:pPr marL="0" marR="0" indent="0" algn="l" defTabSz="914400" rtl="0" fontAlgn="auto" latinLnBrk="0" hangingPunct="0">
+              <a:lnSpc>
+                <a:spcPct val="100000"/>
+              </a:lnSpc>
+              <a:spcBef>
+                <a:spcPts val="0"/>
+              </a:spcBef>
+              <a:spcAft>
+                <a:spcPts val="0"/>
+              </a:spcAft>
+              <a:buClrTx/>
+              <a:buSzTx/>
+              <a:buFontTx/>
+              <a:buNone/>
+              <a:tabLst/>
+            </a:pPr>
+            <a:r>
+              <a:rPr lang="zh-CN" altLang="en-US" dirty="0"/>
+              <a:t>谢谢</a:t>
+            </a:r>
+            <a:endParaRPr kumimoji="0" lang="zh-CN" altLang="en-US" sz="1800" b="0" i="0" u="none" strike="noStrike" cap="none" spc="0" normalizeH="0" baseline="0" dirty="0">
+              <a:ln>
+                <a:noFill/>
+              </a:ln>
+              <a:solidFill>
+                <a:srgbClr val="000000"/>
+              </a:solidFill>
+              <a:effectLst/>
+              <a:uFillTx/>
+              <a:latin typeface="+mn-lt"/>
+              <a:ea typeface="+mn-ea"/>
+              <a:cs typeface="+mn-cs"/>
+              <a:sym typeface="Calibri"/>
+            </a:endParaRPr>
+          </a:p>
+        </p:txBody>
+      </p:sp>
     </p:spTree>
   </p:cSld>
   <p:clrMapOvr>
@@ -7878,7 +8021,7 @@
           </a:ln>
           <a:extLst>
             <a:ext uri="{C572A759-6A51-4108-AA02-DFA0A04FC94B}">
-              <ma14:wrappingTextBoxFlag xmlns:ma14="http://schemas.microsoft.com/office/mac/drawingml/2011/main" val="1"/>
+              <ma14:wrappingTextBoxFlag xmlns:ma14="http://schemas.microsoft.com/office/mac/drawingml/2011/main" xmlns="" val="1"/>
             </a:ext>
           </a:extLst>
         </p:spPr>
@@ -8456,7 +8599,7 @@
           </a:ln>
           <a:extLst>
             <a:ext uri="{C572A759-6A51-4108-AA02-DFA0A04FC94B}">
-              <ma14:wrappingTextBoxFlag xmlns:ma14="http://schemas.microsoft.com/office/mac/drawingml/2011/main" val="1"/>
+              <ma14:wrappingTextBoxFlag xmlns:ma14="http://schemas.microsoft.com/office/mac/drawingml/2011/main" xmlns="" val="1"/>
             </a:ext>
           </a:extLst>
         </p:spPr>

--- a/PWD技术调研.pptx
+++ b/PWD技术调研.pptx
@@ -5,7 +5,7 @@
     <p:sldMasterId id="2147483648" r:id="rId1"/>
   </p:sldMasterIdLst>
   <p:notesMasterIdLst>
-    <p:notesMasterId r:id="rId29"/>
+    <p:notesMasterId r:id="rId36"/>
   </p:notesMasterIdLst>
   <p:sldIdLst>
     <p:sldId id="256" r:id="rId2"/>
@@ -18,23 +18,30 @@
     <p:sldId id="262" r:id="rId9"/>
     <p:sldId id="263" r:id="rId10"/>
     <p:sldId id="264" r:id="rId11"/>
-    <p:sldId id="265" r:id="rId12"/>
-    <p:sldId id="266" r:id="rId13"/>
-    <p:sldId id="267" r:id="rId14"/>
-    <p:sldId id="268" r:id="rId15"/>
-    <p:sldId id="269" r:id="rId16"/>
-    <p:sldId id="270" r:id="rId17"/>
-    <p:sldId id="271" r:id="rId18"/>
-    <p:sldId id="273" r:id="rId19"/>
-    <p:sldId id="274" r:id="rId20"/>
-    <p:sldId id="275" r:id="rId21"/>
-    <p:sldId id="278" r:id="rId22"/>
-    <p:sldId id="276" r:id="rId23"/>
-    <p:sldId id="277" r:id="rId24"/>
-    <p:sldId id="280" r:id="rId25"/>
-    <p:sldId id="281" r:id="rId26"/>
-    <p:sldId id="282" r:id="rId27"/>
-    <p:sldId id="283" r:id="rId28"/>
+    <p:sldId id="285" r:id="rId12"/>
+    <p:sldId id="287" r:id="rId13"/>
+    <p:sldId id="265" r:id="rId14"/>
+    <p:sldId id="266" r:id="rId15"/>
+    <p:sldId id="286" r:id="rId16"/>
+    <p:sldId id="267" r:id="rId17"/>
+    <p:sldId id="268" r:id="rId18"/>
+    <p:sldId id="269" r:id="rId19"/>
+    <p:sldId id="270" r:id="rId20"/>
+    <p:sldId id="271" r:id="rId21"/>
+    <p:sldId id="288" r:id="rId22"/>
+    <p:sldId id="273" r:id="rId23"/>
+    <p:sldId id="274" r:id="rId24"/>
+    <p:sldId id="275" r:id="rId25"/>
+    <p:sldId id="289" r:id="rId26"/>
+    <p:sldId id="278" r:id="rId27"/>
+    <p:sldId id="290" r:id="rId28"/>
+    <p:sldId id="276" r:id="rId29"/>
+    <p:sldId id="277" r:id="rId30"/>
+    <p:sldId id="280" r:id="rId31"/>
+    <p:sldId id="281" r:id="rId32"/>
+    <p:sldId id="282" r:id="rId33"/>
+    <p:sldId id="291" r:id="rId34"/>
+    <p:sldId id="283" r:id="rId35"/>
   </p:sldIdLst>
   <p:sldSz cx="9144000" cy="5143500" type="screen16x9"/>
   <p:notesSz cx="6858000" cy="9144000"/>
@@ -983,6 +990,88 @@
       </p:grpSpPr>
       <p:sp>
         <p:nvSpPr>
+          <p:cNvPr id="2" name="幻灯片图像占位符 1"/>
+          <p:cNvSpPr>
+            <a:spLocks noGrp="1" noRot="1" noChangeAspect="1"/>
+          </p:cNvSpPr>
+          <p:nvPr>
+            <p:ph type="sldImg"/>
+          </p:nvPr>
+        </p:nvSpPr>
+        <p:spPr>
+          <a:xfrm>
+            <a:off x="381000" y="685800"/>
+            <a:ext cx="6096000" cy="3429000"/>
+          </a:xfrm>
+        </p:spPr>
+      </p:sp>
+      <p:sp>
+        <p:nvSpPr>
+          <p:cNvPr id="3" name="备注占位符 2"/>
+          <p:cNvSpPr>
+            <a:spLocks noGrp="1"/>
+          </p:cNvSpPr>
+          <p:nvPr>
+            <p:ph type="body" idx="1"/>
+          </p:nvPr>
+        </p:nvSpPr>
+        <p:spPr/>
+        <p:txBody>
+          <a:bodyPr/>
+          <a:lstStyle/>
+          <a:p>
+            <a:r>
+              <a:rPr kumimoji="1" lang="zh-CN" altLang="en-US" dirty="0" smtClean="0"/>
+              <a:t>参照</a:t>
+            </a:r>
+            <a:r>
+              <a:rPr kumimoji="1" lang="en-US" altLang="zh-CN" dirty="0" err="1" smtClean="0"/>
+              <a:t>mdn</a:t>
+            </a:r>
+            <a:r>
+              <a:rPr kumimoji="1" lang="zh-CN" altLang="en-US" dirty="0" smtClean="0"/>
+              <a:t> </a:t>
+            </a:r>
+            <a:r>
+              <a:rPr kumimoji="1" lang="en-US" altLang="zh-CN" dirty="0" smtClean="0"/>
+              <a:t>demo</a:t>
+            </a:r>
+            <a:endParaRPr kumimoji="1" lang="zh-CN" altLang="en-US" dirty="0"/>
+          </a:p>
+        </p:txBody>
+      </p:sp>
+    </p:spTree>
+    <p:extLst>
+      <p:ext uri="{BB962C8B-B14F-4D97-AF65-F5344CB8AC3E}">
+        <p14:creationId xmlns:p14="http://schemas.microsoft.com/office/powerpoint/2010/main" val="1985894468"/>
+      </p:ext>
+    </p:extLst>
+  </p:cSld>
+  <p:clrMapOvr>
+    <a:masterClrMapping/>
+  </p:clrMapOvr>
+</p:notes>
+</file>
+
+<file path=ppt/notesSlides/notesSlide16.xml><?xml version="1.0" encoding="utf-8"?>
+<p:notes xmlns:a="http://schemas.openxmlformats.org/drawingml/2006/main" xmlns:r="http://schemas.openxmlformats.org/officeDocument/2006/relationships" xmlns:p="http://schemas.openxmlformats.org/presentationml/2006/main">
+  <p:cSld>
+    <p:spTree>
+      <p:nvGrpSpPr>
+        <p:cNvPr id="1" name=""/>
+        <p:cNvGrpSpPr/>
+        <p:nvPr/>
+      </p:nvGrpSpPr>
+      <p:grpSpPr>
+        <a:xfrm>
+          <a:off x="0" y="0"/>
+          <a:ext cx="0" cy="0"/>
+          <a:chOff x="0" y="0"/>
+          <a:chExt cx="0" cy="0"/>
+        </a:xfrm>
+      </p:grpSpPr>
+      <p:sp>
+        <p:nvSpPr>
           <p:cNvPr id="145" name="Shape 145"/>
           <p:cNvSpPr>
             <a:spLocks noGrp="1" noRot="1" noChangeAspect="1"/>
@@ -1041,6 +1130,72 @@
     <p:extLst>
       <p:ext uri="{BB962C8B-B14F-4D97-AF65-F5344CB8AC3E}">
         <p14:creationId xmlns:p14="http://schemas.microsoft.com/office/powerpoint/2010/main" val="154939522"/>
+      </p:ext>
+    </p:extLst>
+  </p:cSld>
+  <p:clrMapOvr>
+    <a:masterClrMapping/>
+  </p:clrMapOvr>
+</p:notes>
+</file>
+
+<file path=ppt/notesSlides/notesSlide17.xml><?xml version="1.0" encoding="utf-8"?>
+<p:notes xmlns:a="http://schemas.openxmlformats.org/drawingml/2006/main" xmlns:r="http://schemas.openxmlformats.org/officeDocument/2006/relationships" xmlns:p="http://schemas.openxmlformats.org/presentationml/2006/main">
+  <p:cSld>
+    <p:spTree>
+      <p:nvGrpSpPr>
+        <p:cNvPr id="1" name=""/>
+        <p:cNvGrpSpPr/>
+        <p:nvPr/>
+      </p:nvGrpSpPr>
+      <p:grpSpPr>
+        <a:xfrm>
+          <a:off x="0" y="0"/>
+          <a:ext cx="0" cy="0"/>
+          <a:chOff x="0" y="0"/>
+          <a:chExt cx="0" cy="0"/>
+        </a:xfrm>
+      </p:grpSpPr>
+      <p:sp>
+        <p:nvSpPr>
+          <p:cNvPr id="2" name="幻灯片图像占位符 1"/>
+          <p:cNvSpPr>
+            <a:spLocks noGrp="1" noRot="1" noChangeAspect="1"/>
+          </p:cNvSpPr>
+          <p:nvPr>
+            <p:ph type="sldImg"/>
+          </p:nvPr>
+        </p:nvSpPr>
+        <p:spPr>
+          <a:xfrm>
+            <a:off x="381000" y="685800"/>
+            <a:ext cx="6096000" cy="3429000"/>
+          </a:xfrm>
+        </p:spPr>
+      </p:sp>
+      <p:sp>
+        <p:nvSpPr>
+          <p:cNvPr id="3" name="备注占位符 2"/>
+          <p:cNvSpPr>
+            <a:spLocks noGrp="1"/>
+          </p:cNvSpPr>
+          <p:nvPr>
+            <p:ph type="body" idx="1"/>
+          </p:nvPr>
+        </p:nvSpPr>
+        <p:spPr/>
+        <p:txBody>
+          <a:bodyPr/>
+          <a:lstStyle/>
+          <a:p>
+            <a:endParaRPr kumimoji="1" lang="zh-CN" altLang="en-US"/>
+          </a:p>
+        </p:txBody>
+      </p:sp>
+    </p:spTree>
+    <p:extLst>
+      <p:ext uri="{BB962C8B-B14F-4D97-AF65-F5344CB8AC3E}">
+        <p14:creationId xmlns:p14="http://schemas.microsoft.com/office/powerpoint/2010/main" val="318187676"/>
       </p:ext>
     </p:extLst>
   </p:cSld>
@@ -1114,60 +1269,70 @@
           <a:lstStyle/>
           <a:p>
             <a:r>
+              <a:rPr dirty="0"/>
               <a:t>PWD是Google推出的。</a:t>
             </a:r>
           </a:p>
           <a:p>
-            <a:endParaRPr/>
-          </a:p>
-          <a:p>
-            <a:r>
+            <a:endParaRPr dirty="0"/>
+          </a:p>
+          <a:p>
+            <a:r>
+              <a:rPr dirty="0"/>
               <a:t>备注：</a:t>
             </a:r>
           </a:p>
           <a:p>
             <a:r>
+              <a:rPr dirty="0"/>
               <a:t>如果搜索下 PWA 的历史就会发现，它第一次出现于 Googler Alex Russell 的博客文章《Progressive Web Apps: Escaping Tabs Without Losing Our Soul》中，其主要观点是：Web 的发展方向应该是”在保留灵魂的基础上渐进增强”，而非现在大行其道的 Hybrid App 方向。</a:t>
             </a:r>
           </a:p>
           <a:p>
-            <a:endParaRPr/>
-          </a:p>
-          <a:p>
-            <a:r>
+            <a:endParaRPr dirty="0"/>
+          </a:p>
+          <a:p>
+            <a:r>
+              <a:rPr dirty="0"/>
               <a:t>总结一下，文章里的 Progressive 主要有这两层含义：</a:t>
             </a:r>
           </a:p>
           <a:p>
             <a:r>
+              <a:rPr dirty="0"/>
               <a:t>如果用户需要，网页可以渐进式地变成 App，比如被添加到主屏幕、全屏方式运行、离线工作、推送通知消息等。但它仍是 Web 而非放到 App Store 里。</a:t>
             </a:r>
           </a:p>
           <a:p>
             <a:r>
+              <a:rPr dirty="0"/>
               <a:t>所有这些“使得 Web 更能与 App 匹敌”的特性都是以渐进的方式增强的，在比传统网页应用更好的同时也保证了降级兼容。</a:t>
             </a:r>
           </a:p>
           <a:p>
-            <a:endParaRPr/>
-          </a:p>
-          <a:p>
-            <a:r>
+            <a:endParaRPr dirty="0"/>
+          </a:p>
+          <a:p>
+            <a:r>
+              <a:rPr dirty="0"/>
               <a:t>作者：黄玄</a:t>
             </a:r>
           </a:p>
           <a:p>
             <a:r>
+              <a:rPr dirty="0"/>
               <a:t>链接：https://www.zhihu.com/question/46690207/answer/104851767</a:t>
             </a:r>
           </a:p>
           <a:p>
             <a:r>
+              <a:rPr dirty="0"/>
               <a:t>来源：知乎</a:t>
             </a:r>
           </a:p>
           <a:p>
             <a:r>
+              <a:rPr dirty="0"/>
               <a:t>著作权归作者所有，转载请联系作者获得授权。</a:t>
             </a:r>
           </a:p>
@@ -1443,19 +1608,22 @@
           <a:lstStyle/>
           <a:p>
             <a:r>
+              <a:rPr dirty="0"/>
               <a:t>dangdangdang，有了service worker之后，我们就可以正常的访问页面</a:t>
             </a:r>
           </a:p>
           <a:p>
             <a:r>
+              <a:rPr dirty="0"/>
               <a:t>Service Worker 是坐落于浏览器和因特网管道间的一个东西，他们旨在（包括其他事情）建立高效的离线体验，拦截网络请求，并且会根据当前的网络是否可用、服务器的内容是否有所更新来采取合适的策略。他们还允许通知推送和后台同步API。</a:t>
             </a:r>
           </a:p>
           <a:p>
-            <a:endParaRPr/>
-          </a:p>
-          <a:p>
-            <a:r>
+            <a:endParaRPr dirty="0"/>
+          </a:p>
+          <a:p>
+            <a:r>
+              <a:rPr dirty="0"/>
               <a:t>好吧，鬼知道在说什么，换个人能听懂的，下一页：</a:t>
             </a:r>
           </a:p>
@@ -1595,6 +1763,10 @@
           </p:nvPr>
         </p:nvSpPr>
         <p:spPr>
+          <a:xfrm>
+            <a:off x="381000" y="685800"/>
+            <a:ext cx="6096000" cy="3429000"/>
+          </a:xfrm>
           <a:prstGeom prst="rect">
             <a:avLst/>
           </a:prstGeom>
@@ -2606,7 +2778,7 @@
           </a:ln>
           <a:extLst>
             <a:ext uri="{C572A759-6A51-4108-AA02-DFA0A04FC94B}">
-              <ma14:wrappingTextBoxFlag xmlns:ma14="http://schemas.microsoft.com/office/mac/drawingml/2011/main" xmlns="" val="1"/>
+              <ma14:wrappingTextBoxFlag xmlns:ma14="http://schemas.microsoft.com/office/mac/drawingml/2011/main" val="1"/>
             </a:ext>
           </a:extLst>
         </p:spPr>
@@ -2645,7 +2817,7 @@
           </a:ln>
           <a:extLst>
             <a:ext uri="{C572A759-6A51-4108-AA02-DFA0A04FC94B}">
-              <ma14:wrappingTextBoxFlag xmlns:ma14="http://schemas.microsoft.com/office/mac/drawingml/2011/main" xmlns="" val="1"/>
+              <ma14:wrappingTextBoxFlag xmlns:ma14="http://schemas.microsoft.com/office/mac/drawingml/2011/main" val="1"/>
             </a:ext>
           </a:extLst>
         </p:spPr>
@@ -3633,7 +3805,7 @@
           </a:ln>
           <a:extLst>
             <a:ext uri="{C572A759-6A51-4108-AA02-DFA0A04FC94B}">
-              <ma14:wrappingTextBoxFlag xmlns:ma14="http://schemas.microsoft.com/office/mac/drawingml/2011/main" xmlns="" val="1"/>
+              <ma14:wrappingTextBoxFlag xmlns:ma14="http://schemas.microsoft.com/office/mac/drawingml/2011/main" val="1"/>
             </a:ext>
           </a:extLst>
         </p:spPr>
@@ -3655,6 +3827,13 @@
     <a:masterClrMapping/>
   </p:clrMapOvr>
   <p:transition spd="med"/>
+  <p:timing>
+    <p:tnLst>
+      <p:par>
+        <p:cTn id="1" dur="indefinite" restart="never" nodeType="tmRoot"/>
+      </p:par>
+    </p:tnLst>
+  </p:timing>
 </p:sld>
 </file>
 
@@ -3771,6 +3950,172 @@
       </p:grpSpPr>
       <p:sp>
         <p:nvSpPr>
+          <p:cNvPr id="2" name="标题 1"/>
+          <p:cNvSpPr>
+            <a:spLocks noGrp="1"/>
+          </p:cNvSpPr>
+          <p:nvPr>
+            <p:ph type="title"/>
+          </p:nvPr>
+        </p:nvSpPr>
+        <p:spPr/>
+        <p:txBody>
+          <a:bodyPr>
+            <a:normAutofit fontScale="90000"/>
+          </a:bodyPr>
+          <a:lstStyle/>
+          <a:p>
+            <a:r>
+              <a:rPr kumimoji="1" lang="en-US" altLang="zh-CN" dirty="0" smtClean="0"/>
+              <a:t>install</a:t>
+            </a:r>
+            <a:r>
+              <a:rPr kumimoji="1" lang="zh-CN" altLang="en-US" dirty="0" smtClean="0"/>
+              <a:t>的时候都做什么了？</a:t>
+            </a:r>
+            <a:endParaRPr kumimoji="1" lang="zh-CN" altLang="en-US" dirty="0"/>
+          </a:p>
+        </p:txBody>
+      </p:sp>
+      <p:sp>
+        <p:nvSpPr>
+          <p:cNvPr id="3" name="文本占位符 2"/>
+          <p:cNvSpPr>
+            <a:spLocks noGrp="1"/>
+          </p:cNvSpPr>
+          <p:nvPr>
+            <p:ph type="body" idx="1"/>
+          </p:nvPr>
+        </p:nvSpPr>
+        <p:spPr/>
+        <p:txBody>
+          <a:bodyPr/>
+          <a:lstStyle/>
+          <a:p>
+            <a:r>
+              <a:rPr kumimoji="1" lang="zh-CN" altLang="en-US" dirty="0" smtClean="0"/>
+              <a:t>代码</a:t>
+            </a:r>
+            <a:endParaRPr kumimoji="1" lang="zh-CN" altLang="en-US" dirty="0"/>
+          </a:p>
+        </p:txBody>
+      </p:sp>
+    </p:spTree>
+    <p:extLst>
+      <p:ext uri="{BB962C8B-B14F-4D97-AF65-F5344CB8AC3E}">
+        <p14:creationId xmlns:p14="http://schemas.microsoft.com/office/powerpoint/2010/main" val="1344854784"/>
+      </p:ext>
+    </p:extLst>
+  </p:cSld>
+  <p:clrMapOvr>
+    <a:masterClrMapping/>
+  </p:clrMapOvr>
+  <p:transition spd="med"/>
+</p:sld>
+</file>
+
+<file path=ppt/slides/slide12.xml><?xml version="1.0" encoding="utf-8"?>
+<p:sld xmlns:a="http://schemas.openxmlformats.org/drawingml/2006/main" xmlns:r="http://schemas.openxmlformats.org/officeDocument/2006/relationships" xmlns:p="http://schemas.openxmlformats.org/presentationml/2006/main">
+  <p:cSld>
+    <p:spTree>
+      <p:nvGrpSpPr>
+        <p:cNvPr id="1" name=""/>
+        <p:cNvGrpSpPr/>
+        <p:nvPr/>
+      </p:nvGrpSpPr>
+      <p:grpSpPr>
+        <a:xfrm>
+          <a:off x="0" y="0"/>
+          <a:ext cx="0" cy="0"/>
+          <a:chOff x="0" y="0"/>
+          <a:chExt cx="0" cy="0"/>
+        </a:xfrm>
+      </p:grpSpPr>
+      <p:sp>
+        <p:nvSpPr>
+          <p:cNvPr id="2" name="标题 1"/>
+          <p:cNvSpPr>
+            <a:spLocks noGrp="1"/>
+          </p:cNvSpPr>
+          <p:nvPr>
+            <p:ph type="title"/>
+          </p:nvPr>
+        </p:nvSpPr>
+        <p:spPr/>
+        <p:txBody>
+          <a:bodyPr>
+            <a:normAutofit fontScale="90000"/>
+          </a:bodyPr>
+          <a:lstStyle/>
+          <a:p>
+            <a:r>
+              <a:rPr kumimoji="1" lang="zh-CN" altLang="en-US" dirty="0" smtClean="0"/>
+              <a:t>激活</a:t>
+            </a:r>
+            <a:endParaRPr kumimoji="1" lang="zh-CN" altLang="en-US" dirty="0"/>
+          </a:p>
+        </p:txBody>
+      </p:sp>
+      <p:sp>
+        <p:nvSpPr>
+          <p:cNvPr id="3" name="文本占位符 2"/>
+          <p:cNvSpPr>
+            <a:spLocks noGrp="1"/>
+          </p:cNvSpPr>
+          <p:nvPr>
+            <p:ph type="body" idx="1"/>
+          </p:nvPr>
+        </p:nvSpPr>
+        <p:spPr/>
+        <p:txBody>
+          <a:bodyPr/>
+          <a:lstStyle/>
+          <a:p>
+            <a:r>
+              <a:rPr lang="en-US" altLang="zh-CN" dirty="0" smtClean="0"/>
+              <a:t>chrome</a:t>
+            </a:r>
+            <a:r>
+              <a:rPr lang="en-US" altLang="zh-CN" dirty="0"/>
+              <a:t>://inspect/#service-workers</a:t>
+            </a:r>
+            <a:endParaRPr kumimoji="1" lang="zh-CN" altLang="en-US" dirty="0"/>
+          </a:p>
+        </p:txBody>
+      </p:sp>
+    </p:spTree>
+    <p:extLst>
+      <p:ext uri="{BB962C8B-B14F-4D97-AF65-F5344CB8AC3E}">
+        <p14:creationId xmlns:p14="http://schemas.microsoft.com/office/powerpoint/2010/main" val="1855430294"/>
+      </p:ext>
+    </p:extLst>
+  </p:cSld>
+  <p:clrMapOvr>
+    <a:masterClrMapping/>
+  </p:clrMapOvr>
+  <p:transition spd="med"/>
+</p:sld>
+</file>
+
+<file path=ppt/slides/slide13.xml><?xml version="1.0" encoding="utf-8"?>
+<p:sld xmlns:a="http://schemas.openxmlformats.org/drawingml/2006/main" xmlns:r="http://schemas.openxmlformats.org/officeDocument/2006/relationships" xmlns:p="http://schemas.openxmlformats.org/presentationml/2006/main">
+  <p:cSld>
+    <p:spTree>
+      <p:nvGrpSpPr>
+        <p:cNvPr id="1" name=""/>
+        <p:cNvGrpSpPr/>
+        <p:nvPr/>
+      </p:nvGrpSpPr>
+      <p:grpSpPr>
+        <a:xfrm>
+          <a:off x="0" y="0"/>
+          <a:ext cx="0" cy="0"/>
+          <a:chOff x="0" y="0"/>
+          <a:chExt cx="0" cy="0"/>
+        </a:xfrm>
+      </p:grpSpPr>
+      <p:sp>
+        <p:nvSpPr>
           <p:cNvPr id="96" name="Shape 96"/>
           <p:cNvSpPr>
             <a:spLocks noGrp="1"/>
@@ -3964,7 +4309,7 @@
           </a:ln>
           <a:extLst>
             <a:ext uri="{C572A759-6A51-4108-AA02-DFA0A04FC94B}">
-              <ma14:wrappingTextBoxFlag xmlns:ma14="http://schemas.microsoft.com/office/mac/drawingml/2011/main" xmlns="" val="1"/>
+              <ma14:wrappingTextBoxFlag xmlns:ma14="http://schemas.microsoft.com/office/mac/drawingml/2011/main" val="1"/>
             </a:ext>
           </a:extLst>
         </p:spPr>
@@ -4141,7 +4486,7 @@
 </p:sld>
 </file>
 
-<file path=ppt/slides/slide12.xml><?xml version="1.0" encoding="utf-8"?>
+<file path=ppt/slides/slide14.xml><?xml version="1.0" encoding="utf-8"?>
 <p:sld xmlns:a="http://schemas.openxmlformats.org/drawingml/2006/main" xmlns:r="http://schemas.openxmlformats.org/officeDocument/2006/relationships" xmlns:p="http://schemas.openxmlformats.org/presentationml/2006/main">
   <p:cSld>
     <p:spTree>
@@ -4277,7 +4622,90 @@
 </p:sld>
 </file>
 
-<file path=ppt/slides/slide13.xml><?xml version="1.0" encoding="utf-8"?>
+<file path=ppt/slides/slide15.xml><?xml version="1.0" encoding="utf-8"?>
+<p:sld xmlns:a="http://schemas.openxmlformats.org/drawingml/2006/main" xmlns:r="http://schemas.openxmlformats.org/officeDocument/2006/relationships" xmlns:p="http://schemas.openxmlformats.org/presentationml/2006/main">
+  <p:cSld>
+    <p:spTree>
+      <p:nvGrpSpPr>
+        <p:cNvPr id="1" name=""/>
+        <p:cNvGrpSpPr/>
+        <p:nvPr/>
+      </p:nvGrpSpPr>
+      <p:grpSpPr>
+        <a:xfrm>
+          <a:off x="0" y="0"/>
+          <a:ext cx="0" cy="0"/>
+          <a:chOff x="0" y="0"/>
+          <a:chExt cx="0" cy="0"/>
+        </a:xfrm>
+      </p:grpSpPr>
+      <p:sp>
+        <p:nvSpPr>
+          <p:cNvPr id="2" name="标题 1"/>
+          <p:cNvSpPr>
+            <a:spLocks noGrp="1"/>
+          </p:cNvSpPr>
+          <p:nvPr>
+            <p:ph type="title"/>
+          </p:nvPr>
+        </p:nvSpPr>
+        <p:spPr/>
+        <p:txBody>
+          <a:bodyPr>
+            <a:normAutofit fontScale="90000"/>
+          </a:bodyPr>
+          <a:lstStyle/>
+          <a:p>
+            <a:r>
+              <a:rPr kumimoji="1" lang="zh-CN" altLang="en-US" dirty="0" smtClean="0"/>
+              <a:t>显示一下</a:t>
+            </a:r>
+            <a:r>
+              <a:rPr kumimoji="1" lang="en-US" altLang="zh-CN" dirty="0" smtClean="0"/>
+              <a:t>message</a:t>
+            </a:r>
+            <a:r>
+              <a:rPr kumimoji="1" lang="zh-CN" altLang="en-US" dirty="0" smtClean="0"/>
+              <a:t>代码</a:t>
+            </a:r>
+            <a:endParaRPr kumimoji="1" lang="zh-CN" altLang="en-US" dirty="0"/>
+          </a:p>
+        </p:txBody>
+      </p:sp>
+      <p:sp>
+        <p:nvSpPr>
+          <p:cNvPr id="3" name="文本占位符 2"/>
+          <p:cNvSpPr>
+            <a:spLocks noGrp="1"/>
+          </p:cNvSpPr>
+          <p:nvPr>
+            <p:ph type="body" idx="1"/>
+          </p:nvPr>
+        </p:nvSpPr>
+        <p:spPr/>
+        <p:txBody>
+          <a:bodyPr/>
+          <a:lstStyle/>
+          <a:p>
+            <a:endParaRPr kumimoji="1" lang="zh-CN" altLang="en-US"/>
+          </a:p>
+        </p:txBody>
+      </p:sp>
+    </p:spTree>
+    <p:extLst>
+      <p:ext uri="{BB962C8B-B14F-4D97-AF65-F5344CB8AC3E}">
+        <p14:creationId xmlns:p14="http://schemas.microsoft.com/office/powerpoint/2010/main" val="1188430768"/>
+      </p:ext>
+    </p:extLst>
+  </p:cSld>
+  <p:clrMapOvr>
+    <a:masterClrMapping/>
+  </p:clrMapOvr>
+  <p:transition spd="med"/>
+</p:sld>
+</file>
+
+<file path=ppt/slides/slide16.xml><?xml version="1.0" encoding="utf-8"?>
 <p:sld xmlns:a="http://schemas.openxmlformats.org/drawingml/2006/main" xmlns:r="http://schemas.openxmlformats.org/officeDocument/2006/relationships" xmlns:p="http://schemas.openxmlformats.org/presentationml/2006/main">
   <p:cSld>
     <p:spTree>
@@ -4562,7 +4990,7 @@
 </p:sld>
 </file>
 
-<file path=ppt/slides/slide14.xml><?xml version="1.0" encoding="utf-8"?>
+<file path=ppt/slides/slide17.xml><?xml version="1.0" encoding="utf-8"?>
 <p:sld xmlns:a="http://schemas.openxmlformats.org/drawingml/2006/main" xmlns:r="http://schemas.openxmlformats.org/officeDocument/2006/relationships" xmlns:p="http://schemas.openxmlformats.org/presentationml/2006/main">
   <p:cSld>
     <p:spTree>
@@ -4727,7 +5155,7 @@
 </p:sld>
 </file>
 
-<file path=ppt/slides/slide15.xml><?xml version="1.0" encoding="utf-8"?>
+<file path=ppt/slides/slide18.xml><?xml version="1.0" encoding="utf-8"?>
 <p:sld xmlns:a="http://schemas.openxmlformats.org/drawingml/2006/main" xmlns:r="http://schemas.openxmlformats.org/officeDocument/2006/relationships" xmlns:p="http://schemas.openxmlformats.org/presentationml/2006/main">
   <p:cSld>
     <p:spTree>
@@ -4878,8 +5306,47 @@
             </a:r>
             <a:r>
               <a:rPr sz="1800" dirty="0"/>
-              <a:t>workers 只能操作同源的文件</a:t>
-            </a:r>
+              <a:t>workers </a:t>
+            </a:r>
+            <a:r>
+              <a:rPr sz="1800" dirty="0" smtClean="0"/>
+              <a:t>只能操作同源的文件</a:t>
+            </a:r>
+            <a:endParaRPr lang="en-US" sz="1800" dirty="0" smtClean="0"/>
+          </a:p>
+          <a:p>
+            <a:pPr marL="0" indent="0">
+              <a:buNone/>
+              <a:defRPr sz="2300"/>
+            </a:pPr>
+            <a:endParaRPr lang="en-US" sz="1800" dirty="0"/>
+          </a:p>
+          <a:p>
+            <a:pPr marL="0" indent="0">
+              <a:buNone/>
+              <a:defRPr sz="2300"/>
+            </a:pPr>
+            <a:r>
+              <a:rPr lang="en-US" altLang="zh-CN" sz="1800" dirty="0" smtClean="0"/>
+              <a:t>4</a:t>
+            </a:r>
+            <a:r>
+              <a:rPr lang="zh-CN" altLang="en-US" sz="1800" dirty="0" smtClean="0"/>
+              <a:t>、接口都是使用</a:t>
+            </a:r>
+            <a:r>
+              <a:rPr lang="en-US" altLang="zh-CN" sz="1800" dirty="0" smtClean="0"/>
+              <a:t>P</a:t>
+            </a:r>
+            <a:r>
+              <a:rPr lang="en-US" altLang="zh-CN" sz="1800" dirty="0" smtClean="0"/>
+              <a:t>romise</a:t>
+            </a:r>
+            <a:r>
+              <a:rPr lang="zh-CN" altLang="en-US" sz="1800" dirty="0" smtClean="0"/>
+              <a:t>实现的。</a:t>
+            </a:r>
+            <a:endParaRPr sz="1800" dirty="0"/>
           </a:p>
         </p:txBody>
       </p:sp>
@@ -4899,7 +5366,7 @@
 </p:sld>
 </file>
 
-<file path=ppt/slides/slide16.xml><?xml version="1.0" encoding="utf-8"?>
+<file path=ppt/slides/slide19.xml><?xml version="1.0" encoding="utf-8"?>
 <p:sld xmlns:a="http://schemas.openxmlformats.org/drawingml/2006/main" xmlns:r="http://schemas.openxmlformats.org/officeDocument/2006/relationships" xmlns:p="http://schemas.openxmlformats.org/presentationml/2006/main">
   <p:cSld>
     <p:spTree>
@@ -4964,7 +5431,7 @@
           </a:ln>
           <a:extLst>
             <a:ext uri="{C572A759-6A51-4108-AA02-DFA0A04FC94B}">
-              <ma14:wrappingTextBoxFlag xmlns:ma14="http://schemas.microsoft.com/office/mac/drawingml/2011/main" xmlns="" val="1"/>
+              <ma14:wrappingTextBoxFlag xmlns:ma14="http://schemas.microsoft.com/office/mac/drawingml/2011/main" val="1"/>
             </a:ext>
           </a:extLst>
         </p:spPr>
@@ -5053,7 +5520,121 @@
 </p:sld>
 </file>
 
-<file path=ppt/slides/slide17.xml><?xml version="1.0" encoding="utf-8"?>
+<file path=ppt/slides/slide2.xml><?xml version="1.0" encoding="utf-8"?>
+<p:sld xmlns:a="http://schemas.openxmlformats.org/drawingml/2006/main" xmlns:r="http://schemas.openxmlformats.org/officeDocument/2006/relationships" xmlns:p="http://schemas.openxmlformats.org/presentationml/2006/main">
+  <p:cSld>
+    <p:spTree>
+      <p:nvGrpSpPr>
+        <p:cNvPr id="1" name=""/>
+        <p:cNvGrpSpPr/>
+        <p:nvPr/>
+      </p:nvGrpSpPr>
+      <p:grpSpPr>
+        <a:xfrm>
+          <a:off x="0" y="0"/>
+          <a:ext cx="0" cy="0"/>
+          <a:chOff x="0" y="0"/>
+          <a:chExt cx="0" cy="0"/>
+        </a:xfrm>
+      </p:grpSpPr>
+      <p:sp>
+        <p:nvSpPr>
+          <p:cNvPr id="58" name="Shape 58"/>
+          <p:cNvSpPr>
+            <a:spLocks noGrp="1"/>
+          </p:cNvSpPr>
+          <p:nvPr>
+            <p:ph type="title"/>
+          </p:nvPr>
+        </p:nvSpPr>
+        <p:spPr>
+          <a:prstGeom prst="rect">
+            <a:avLst/>
+          </a:prstGeom>
+        </p:spPr>
+        <p:txBody>
+          <a:bodyPr/>
+          <a:lstStyle>
+            <a:lvl1pPr defTabSz="749808">
+              <a:defRPr sz="2296"/>
+            </a:lvl1pPr>
+          </a:lstStyle>
+          <a:p>
+            <a:r>
+              <a:t>目录</a:t>
+            </a:r>
+          </a:p>
+        </p:txBody>
+      </p:sp>
+      <p:sp>
+        <p:nvSpPr>
+          <p:cNvPr id="59" name="Shape 59"/>
+          <p:cNvSpPr>
+            <a:spLocks noGrp="1"/>
+          </p:cNvSpPr>
+          <p:nvPr>
+            <p:ph type="body" idx="1"/>
+          </p:nvPr>
+        </p:nvSpPr>
+        <p:spPr>
+          <a:prstGeom prst="rect">
+            <a:avLst/>
+          </a:prstGeom>
+        </p:spPr>
+        <p:txBody>
+          <a:bodyPr/>
+          <a:lstStyle/>
+          <a:p>
+            <a:r>
+              <a:rPr dirty="0"/>
+              <a:t>PWA</a:t>
+            </a:r>
+          </a:p>
+          <a:p>
+            <a:r>
+              <a:rPr dirty="0"/>
+              <a:t>Service Worker</a:t>
+            </a:r>
+          </a:p>
+          <a:p>
+            <a:r>
+              <a:rPr dirty="0"/>
+              <a:t>Push</a:t>
+            </a:r>
+          </a:p>
+          <a:p>
+            <a:r>
+              <a:rPr dirty="0" smtClean="0"/>
+              <a:t>Notification</a:t>
+            </a:r>
+            <a:endParaRPr lang="en-US" dirty="0" smtClean="0"/>
+          </a:p>
+          <a:p>
+            <a:r>
+              <a:rPr lang="zh-CN" altLang="en-US" dirty="0" smtClean="0"/>
+              <a:t>总结</a:t>
+            </a:r>
+            <a:endParaRPr lang="en-US" altLang="zh-CN" dirty="0"/>
+          </a:p>
+        </p:txBody>
+      </p:sp>
+    </p:spTree>
+  </p:cSld>
+  <p:clrMapOvr>
+    <a:masterClrMapping/>
+  </p:clrMapOvr>
+  <p:transition spd="slow"/>
+  <p:timing>
+    <p:tnLst>
+      <p:par>
+        <p:cTn id="1" dur="indefinite" restart="never" nodeType="tmRoot"/>
+      </p:par>
+    </p:tnLst>
+  </p:timing>
+</p:sld>
+</file>
+
+<file path=ppt/slides/slide20.xml><?xml version="1.0" encoding="utf-8"?>
 <p:sld xmlns:a="http://schemas.openxmlformats.org/drawingml/2006/main" xmlns:r="http://schemas.openxmlformats.org/officeDocument/2006/relationships" xmlns:p="http://schemas.openxmlformats.org/presentationml/2006/main">
   <p:cSld>
     <p:spTree>
@@ -5470,7 +6051,94 @@
 </p:sld>
 </file>
 
-<file path=ppt/slides/slide18.xml><?xml version="1.0" encoding="utf-8"?>
+<file path=ppt/slides/slide21.xml><?xml version="1.0" encoding="utf-8"?>
+<p:sld xmlns:a="http://schemas.openxmlformats.org/drawingml/2006/main" xmlns:r="http://schemas.openxmlformats.org/officeDocument/2006/relationships" xmlns:p="http://schemas.openxmlformats.org/presentationml/2006/main">
+  <p:cSld>
+    <p:spTree>
+      <p:nvGrpSpPr>
+        <p:cNvPr id="1" name=""/>
+        <p:cNvGrpSpPr/>
+        <p:nvPr/>
+      </p:nvGrpSpPr>
+      <p:grpSpPr>
+        <a:xfrm>
+          <a:off x="0" y="0"/>
+          <a:ext cx="0" cy="0"/>
+          <a:chOff x="0" y="0"/>
+          <a:chExt cx="0" cy="0"/>
+        </a:xfrm>
+      </p:grpSpPr>
+      <p:sp>
+        <p:nvSpPr>
+          <p:cNvPr id="2" name="标题 1"/>
+          <p:cNvSpPr>
+            <a:spLocks noGrp="1"/>
+          </p:cNvSpPr>
+          <p:nvPr>
+            <p:ph type="title"/>
+          </p:nvPr>
+        </p:nvSpPr>
+        <p:spPr/>
+        <p:txBody>
+          <a:bodyPr>
+            <a:normAutofit fontScale="90000"/>
+          </a:bodyPr>
+          <a:lstStyle/>
+          <a:p>
+            <a:r>
+              <a:rPr kumimoji="1" lang="zh-CN" altLang="en-US" dirty="0" smtClean="0"/>
+              <a:t>第二部分</a:t>
+            </a:r>
+            <a:endParaRPr kumimoji="1" lang="zh-CN" altLang="en-US" dirty="0"/>
+          </a:p>
+        </p:txBody>
+      </p:sp>
+      <p:sp>
+        <p:nvSpPr>
+          <p:cNvPr id="3" name="文本占位符 2"/>
+          <p:cNvSpPr>
+            <a:spLocks noGrp="1"/>
+          </p:cNvSpPr>
+          <p:nvPr>
+            <p:ph type="body" idx="1"/>
+          </p:nvPr>
+        </p:nvSpPr>
+        <p:spPr/>
+        <p:txBody>
+          <a:bodyPr/>
+          <a:lstStyle/>
+          <a:p>
+            <a:r>
+              <a:rPr kumimoji="1" lang="zh-CN" altLang="en-US" dirty="0" smtClean="0"/>
+              <a:t>像</a:t>
+            </a:r>
+            <a:r>
+              <a:rPr kumimoji="1" lang="en-US" altLang="zh-CN" dirty="0" smtClean="0"/>
+              <a:t>app</a:t>
+            </a:r>
+            <a:r>
+              <a:rPr kumimoji="1" lang="zh-CN" altLang="en-US" dirty="0" smtClean="0"/>
+              <a:t>一样给用户推送消息</a:t>
+            </a:r>
+            <a:endParaRPr kumimoji="1" lang="zh-CN" altLang="en-US" dirty="0"/>
+          </a:p>
+        </p:txBody>
+      </p:sp>
+    </p:spTree>
+    <p:extLst>
+      <p:ext uri="{BB962C8B-B14F-4D97-AF65-F5344CB8AC3E}">
+        <p14:creationId xmlns:p14="http://schemas.microsoft.com/office/powerpoint/2010/main" val="797767693"/>
+      </p:ext>
+    </p:extLst>
+  </p:cSld>
+  <p:clrMapOvr>
+    <a:masterClrMapping/>
+  </p:clrMapOvr>
+  <p:transition spd="med"/>
+</p:sld>
+</file>
+
+<file path=ppt/slides/slide22.xml><?xml version="1.0" encoding="utf-8"?>
 <p:sld xmlns:a="http://schemas.openxmlformats.org/drawingml/2006/main" xmlns:r="http://schemas.openxmlformats.org/officeDocument/2006/relationships" xmlns:p="http://schemas.openxmlformats.org/presentationml/2006/main">
   <p:cSld>
     <p:spTree>
@@ -5537,7 +6205,7 @@
           </a:ln>
           <a:extLst>
             <a:ext uri="{C572A759-6A51-4108-AA02-DFA0A04FC94B}">
-              <ma14:wrappingTextBoxFlag xmlns:ma14="http://schemas.microsoft.com/office/mac/drawingml/2011/main" xmlns="" val="1"/>
+              <ma14:wrappingTextBoxFlag xmlns:ma14="http://schemas.microsoft.com/office/mac/drawingml/2011/main" val="1"/>
             </a:ext>
           </a:extLst>
         </p:spPr>
@@ -5572,7 +6240,7 @@
           </a:ln>
           <a:extLst>
             <a:ext uri="{C572A759-6A51-4108-AA02-DFA0A04FC94B}">
-              <ma14:wrappingTextBoxFlag xmlns:ma14="http://schemas.microsoft.com/office/mac/drawingml/2011/main" xmlns="" val="1"/>
+              <ma14:wrappingTextBoxFlag xmlns:ma14="http://schemas.microsoft.com/office/mac/drawingml/2011/main" val="1"/>
             </a:ext>
           </a:extLst>
         </p:spPr>
@@ -5605,7 +6273,7 @@
 </p:sld>
 </file>
 
-<file path=ppt/slides/slide19.xml><?xml version="1.0" encoding="utf-8"?>
+<file path=ppt/slides/slide23.xml><?xml version="1.0" encoding="utf-8"?>
 <p:sld xmlns:a="http://schemas.openxmlformats.org/drawingml/2006/main" xmlns:r="http://schemas.openxmlformats.org/officeDocument/2006/relationships" xmlns:p="http://schemas.openxmlformats.org/presentationml/2006/main">
   <p:cSld>
     <p:spTree>
@@ -5676,7 +6344,7 @@
           </a:ln>
           <a:extLst>
             <a:ext uri="{C572A759-6A51-4108-AA02-DFA0A04FC94B}">
-              <ma14:wrappingTextBoxFlag xmlns:ma14="http://schemas.microsoft.com/office/mac/drawingml/2011/main" xmlns="" val="1"/>
+              <ma14:wrappingTextBoxFlag xmlns:ma14="http://schemas.microsoft.com/office/mac/drawingml/2011/main" val="1"/>
             </a:ext>
           </a:extLst>
         </p:spPr>
@@ -5739,7 +6407,23 @@
             </a:pPr>
             <a:r>
               <a:rPr dirty="0"/>
-              <a:t>3、用户代理识别预定的service worker并且在必要的时候激活它。同时传递推送消息给service worker。</a:t>
+              <a:t>3、</a:t>
+            </a:r>
+            <a:r>
+              <a:rPr dirty="0" smtClean="0"/>
+              <a:t>用户代理</a:t>
+            </a:r>
+            <a:r>
+              <a:rPr lang="zh-CN" altLang="en-US" dirty="0" smtClean="0"/>
+              <a:t>（浏览器）</a:t>
+            </a:r>
+            <a:r>
+              <a:rPr dirty="0" smtClean="0"/>
+              <a:t>识别预定的</a:t>
+            </a:r>
+            <a:r>
+              <a:rPr dirty="0"/>
+              <a:t>service worker并且在必要的时候激活它。同时传递推送消息给service worker。</a:t>
             </a:r>
           </a:p>
         </p:txBody>
@@ -5753,121 +6437,7 @@
 </p:sld>
 </file>
 
-<file path=ppt/slides/slide2.xml><?xml version="1.0" encoding="utf-8"?>
-<p:sld xmlns:a="http://schemas.openxmlformats.org/drawingml/2006/main" xmlns:r="http://schemas.openxmlformats.org/officeDocument/2006/relationships" xmlns:p="http://schemas.openxmlformats.org/presentationml/2006/main">
-  <p:cSld>
-    <p:spTree>
-      <p:nvGrpSpPr>
-        <p:cNvPr id="1" name=""/>
-        <p:cNvGrpSpPr/>
-        <p:nvPr/>
-      </p:nvGrpSpPr>
-      <p:grpSpPr>
-        <a:xfrm>
-          <a:off x="0" y="0"/>
-          <a:ext cx="0" cy="0"/>
-          <a:chOff x="0" y="0"/>
-          <a:chExt cx="0" cy="0"/>
-        </a:xfrm>
-      </p:grpSpPr>
-      <p:sp>
-        <p:nvSpPr>
-          <p:cNvPr id="58" name="Shape 58"/>
-          <p:cNvSpPr>
-            <a:spLocks noGrp="1"/>
-          </p:cNvSpPr>
-          <p:nvPr>
-            <p:ph type="title"/>
-          </p:nvPr>
-        </p:nvSpPr>
-        <p:spPr>
-          <a:prstGeom prst="rect">
-            <a:avLst/>
-          </a:prstGeom>
-        </p:spPr>
-        <p:txBody>
-          <a:bodyPr/>
-          <a:lstStyle>
-            <a:lvl1pPr defTabSz="749808">
-              <a:defRPr sz="2296"/>
-            </a:lvl1pPr>
-          </a:lstStyle>
-          <a:p>
-            <a:r>
-              <a:t>目录</a:t>
-            </a:r>
-          </a:p>
-        </p:txBody>
-      </p:sp>
-      <p:sp>
-        <p:nvSpPr>
-          <p:cNvPr id="59" name="Shape 59"/>
-          <p:cNvSpPr>
-            <a:spLocks noGrp="1"/>
-          </p:cNvSpPr>
-          <p:nvPr>
-            <p:ph type="body" idx="1"/>
-          </p:nvPr>
-        </p:nvSpPr>
-        <p:spPr>
-          <a:prstGeom prst="rect">
-            <a:avLst/>
-          </a:prstGeom>
-        </p:spPr>
-        <p:txBody>
-          <a:bodyPr/>
-          <a:lstStyle/>
-          <a:p>
-            <a:r>
-              <a:rPr dirty="0"/>
-              <a:t>PWA</a:t>
-            </a:r>
-          </a:p>
-          <a:p>
-            <a:r>
-              <a:rPr dirty="0"/>
-              <a:t>Service Worker</a:t>
-            </a:r>
-          </a:p>
-          <a:p>
-            <a:r>
-              <a:rPr dirty="0"/>
-              <a:t>Push</a:t>
-            </a:r>
-          </a:p>
-          <a:p>
-            <a:r>
-              <a:rPr dirty="0" smtClean="0"/>
-              <a:t>Notification</a:t>
-            </a:r>
-            <a:endParaRPr lang="en-US" dirty="0" smtClean="0"/>
-          </a:p>
-          <a:p>
-            <a:r>
-              <a:rPr lang="zh-CN" altLang="en-US" dirty="0" smtClean="0"/>
-              <a:t>总结</a:t>
-            </a:r>
-            <a:endParaRPr lang="en-US" altLang="zh-CN" dirty="0"/>
-          </a:p>
-        </p:txBody>
-      </p:sp>
-    </p:spTree>
-  </p:cSld>
-  <p:clrMapOvr>
-    <a:masterClrMapping/>
-  </p:clrMapOvr>
-  <p:transition spd="slow"/>
-  <p:timing>
-    <p:tnLst>
-      <p:par>
-        <p:cTn id="1" dur="indefinite" restart="never" nodeType="tmRoot"/>
-      </p:par>
-    </p:tnLst>
-  </p:timing>
-</p:sld>
-</file>
-
-<file path=ppt/slides/slide20.xml><?xml version="1.0" encoding="utf-8"?>
+<file path=ppt/slides/slide24.xml><?xml version="1.0" encoding="utf-8"?>
 <p:sld xmlns:a="http://schemas.openxmlformats.org/drawingml/2006/main" xmlns:r="http://schemas.openxmlformats.org/officeDocument/2006/relationships" xmlns:p="http://schemas.openxmlformats.org/presentationml/2006/main">
   <p:cSld>
     <p:spTree>
@@ -5932,7 +6502,7 @@
           </a:ln>
           <a:extLst>
             <a:ext uri="{C572A759-6A51-4108-AA02-DFA0A04FC94B}">
-              <ma14:wrappingTextBoxFlag xmlns:ma14="http://schemas.microsoft.com/office/mac/drawingml/2011/main" xmlns="" val="1"/>
+              <ma14:wrappingTextBoxFlag xmlns:ma14="http://schemas.microsoft.com/office/mac/drawingml/2011/main" val="1"/>
             </a:ext>
           </a:extLst>
         </p:spPr>
@@ -5976,7 +6546,7 @@
           </a:ln>
           <a:extLst>
             <a:ext uri="{C572A759-6A51-4108-AA02-DFA0A04FC94B}">
-              <ma14:wrappingTextBoxFlag xmlns:ma14="http://schemas.microsoft.com/office/mac/drawingml/2011/main" xmlns="" val="1"/>
+              <ma14:wrappingTextBoxFlag xmlns:ma14="http://schemas.microsoft.com/office/mac/drawingml/2011/main" val="1"/>
             </a:ext>
           </a:extLst>
         </p:spPr>
@@ -6060,7 +6630,7 @@
           </a:ln>
           <a:extLst>
             <a:ext uri="{C572A759-6A51-4108-AA02-DFA0A04FC94B}">
-              <ma14:wrappingTextBoxFlag xmlns:ma14="http://schemas.microsoft.com/office/mac/drawingml/2011/main" xmlns="" val="1"/>
+              <ma14:wrappingTextBoxFlag xmlns:ma14="http://schemas.microsoft.com/office/mac/drawingml/2011/main" val="1"/>
             </a:ext>
           </a:extLst>
         </p:spPr>
@@ -6101,7 +6671,82 @@
 </p:sld>
 </file>
 
-<file path=ppt/slides/slide21.xml><?xml version="1.0" encoding="utf-8"?>
+<file path=ppt/slides/slide25.xml><?xml version="1.0" encoding="utf-8"?>
+<p:sld xmlns:a="http://schemas.openxmlformats.org/drawingml/2006/main" xmlns:r="http://schemas.openxmlformats.org/officeDocument/2006/relationships" xmlns:p="http://schemas.openxmlformats.org/presentationml/2006/main">
+  <p:cSld>
+    <p:spTree>
+      <p:nvGrpSpPr>
+        <p:cNvPr id="1" name=""/>
+        <p:cNvGrpSpPr/>
+        <p:nvPr/>
+      </p:nvGrpSpPr>
+      <p:grpSpPr>
+        <a:xfrm>
+          <a:off x="0" y="0"/>
+          <a:ext cx="0" cy="0"/>
+          <a:chOff x="0" y="0"/>
+          <a:chExt cx="0" cy="0"/>
+        </a:xfrm>
+      </p:grpSpPr>
+      <p:sp>
+        <p:nvSpPr>
+          <p:cNvPr id="2" name="标题 1"/>
+          <p:cNvSpPr>
+            <a:spLocks noGrp="1"/>
+          </p:cNvSpPr>
+          <p:nvPr>
+            <p:ph type="title"/>
+          </p:nvPr>
+        </p:nvSpPr>
+        <p:spPr/>
+        <p:txBody>
+          <a:bodyPr>
+            <a:normAutofit fontScale="90000"/>
+          </a:bodyPr>
+          <a:lstStyle/>
+          <a:p>
+            <a:r>
+              <a:rPr kumimoji="1" lang="zh-CN" altLang="en-US" dirty="0" smtClean="0"/>
+              <a:t>上代码</a:t>
+            </a:r>
+            <a:endParaRPr kumimoji="1" lang="zh-CN" altLang="en-US" dirty="0"/>
+          </a:p>
+        </p:txBody>
+      </p:sp>
+      <p:sp>
+        <p:nvSpPr>
+          <p:cNvPr id="3" name="文本占位符 2"/>
+          <p:cNvSpPr>
+            <a:spLocks noGrp="1"/>
+          </p:cNvSpPr>
+          <p:nvPr>
+            <p:ph type="body" idx="1"/>
+          </p:nvPr>
+        </p:nvSpPr>
+        <p:spPr/>
+        <p:txBody>
+          <a:bodyPr/>
+          <a:lstStyle/>
+          <a:p>
+            <a:endParaRPr kumimoji="1" lang="zh-CN" altLang="en-US"/>
+          </a:p>
+        </p:txBody>
+      </p:sp>
+    </p:spTree>
+    <p:extLst>
+      <p:ext uri="{BB962C8B-B14F-4D97-AF65-F5344CB8AC3E}">
+        <p14:creationId xmlns:p14="http://schemas.microsoft.com/office/powerpoint/2010/main" val="1294454898"/>
+      </p:ext>
+    </p:extLst>
+  </p:cSld>
+  <p:clrMapOvr>
+    <a:masterClrMapping/>
+  </p:clrMapOvr>
+  <p:transition spd="med"/>
+</p:sld>
+</file>
+
+<file path=ppt/slides/slide26.xml><?xml version="1.0" encoding="utf-8"?>
 <p:sld xmlns:a="http://schemas.openxmlformats.org/drawingml/2006/main" xmlns:r="http://schemas.openxmlformats.org/officeDocument/2006/relationships" xmlns:p="http://schemas.openxmlformats.org/presentationml/2006/main">
   <p:cSld>
     <p:spTree>
@@ -6168,7 +6813,7 @@
           </a:ln>
           <a:extLst>
             <a:ext uri="{C572A759-6A51-4108-AA02-DFA0A04FC94B}">
-              <ma14:wrappingTextBoxFlag xmlns:ma14="http://schemas.microsoft.com/office/mac/drawingml/2011/main" xmlns="" val="1"/>
+              <ma14:wrappingTextBoxFlag xmlns:ma14="http://schemas.microsoft.com/office/mac/drawingml/2011/main" val="1"/>
             </a:ext>
           </a:extLst>
         </p:spPr>
@@ -6200,7 +6845,104 @@
 </p:sld>
 </file>
 
-<file path=ppt/slides/slide22.xml><?xml version="1.0" encoding="utf-8"?>
+<file path=ppt/slides/slide27.xml><?xml version="1.0" encoding="utf-8"?>
+<p:sld xmlns:a="http://schemas.openxmlformats.org/drawingml/2006/main" xmlns:r="http://schemas.openxmlformats.org/officeDocument/2006/relationships" xmlns:p="http://schemas.openxmlformats.org/presentationml/2006/main">
+  <p:cSld>
+    <p:spTree>
+      <p:nvGrpSpPr>
+        <p:cNvPr id="1" name=""/>
+        <p:cNvGrpSpPr/>
+        <p:nvPr/>
+      </p:nvGrpSpPr>
+      <p:grpSpPr>
+        <a:xfrm>
+          <a:off x="0" y="0"/>
+          <a:ext cx="0" cy="0"/>
+          <a:chOff x="0" y="0"/>
+          <a:chExt cx="0" cy="0"/>
+        </a:xfrm>
+      </p:grpSpPr>
+      <p:sp>
+        <p:nvSpPr>
+          <p:cNvPr id="2" name="标题 1"/>
+          <p:cNvSpPr>
+            <a:spLocks noGrp="1"/>
+          </p:cNvSpPr>
+          <p:nvPr>
+            <p:ph type="title"/>
+          </p:nvPr>
+        </p:nvSpPr>
+        <p:spPr/>
+        <p:txBody>
+          <a:bodyPr>
+            <a:normAutofit fontScale="90000"/>
+          </a:bodyPr>
+          <a:lstStyle/>
+          <a:p>
+            <a:endParaRPr kumimoji="1" lang="zh-CN" altLang="en-US" dirty="0"/>
+          </a:p>
+        </p:txBody>
+      </p:sp>
+      <p:sp>
+        <p:nvSpPr>
+          <p:cNvPr id="3" name="文本占位符 2"/>
+          <p:cNvSpPr>
+            <a:spLocks noGrp="1"/>
+          </p:cNvSpPr>
+          <p:nvPr>
+            <p:ph type="body" idx="1"/>
+          </p:nvPr>
+        </p:nvSpPr>
+        <p:spPr/>
+        <p:txBody>
+          <a:bodyPr/>
+          <a:lstStyle/>
+          <a:p>
+            <a:r>
+              <a:rPr kumimoji="1" lang="zh-CN" altLang="en-US" dirty="0" smtClean="0"/>
+              <a:t>询问是否显示通知</a:t>
+            </a:r>
+            <a:endParaRPr kumimoji="1" lang="en-US" altLang="zh-CN" dirty="0" smtClean="0"/>
+          </a:p>
+          <a:p>
+            <a:r>
+              <a:rPr kumimoji="1" lang="zh-CN" altLang="en-US" dirty="0" smtClean="0"/>
+              <a:t>上代码</a:t>
+            </a:r>
+            <a:endParaRPr kumimoji="1" lang="en-US" altLang="zh-CN" dirty="0" smtClean="0"/>
+          </a:p>
+          <a:p>
+            <a:r>
+              <a:rPr kumimoji="1" lang="zh-CN" altLang="en-US" dirty="0" smtClean="0"/>
+              <a:t>和</a:t>
+            </a:r>
+            <a:r>
+              <a:rPr kumimoji="1" lang="en-US" altLang="zh-CN" dirty="0" smtClean="0"/>
+              <a:t>message</a:t>
+            </a:r>
+            <a:r>
+              <a:rPr kumimoji="1" lang="zh-CN" altLang="en-US" dirty="0" smtClean="0"/>
+              <a:t>区分开</a:t>
+            </a:r>
+            <a:endParaRPr kumimoji="1" lang="zh-CN" altLang="en-US" dirty="0"/>
+          </a:p>
+        </p:txBody>
+      </p:sp>
+    </p:spTree>
+    <p:extLst>
+      <p:ext uri="{BB962C8B-B14F-4D97-AF65-F5344CB8AC3E}">
+        <p14:creationId xmlns:p14="http://schemas.microsoft.com/office/powerpoint/2010/main" val="806605722"/>
+      </p:ext>
+    </p:extLst>
+  </p:cSld>
+  <p:clrMapOvr>
+    <a:masterClrMapping/>
+  </p:clrMapOvr>
+  <p:transition spd="med"/>
+</p:sld>
+</file>
+
+<file path=ppt/slides/slide28.xml><?xml version="1.0" encoding="utf-8"?>
 <p:sld xmlns:a="http://schemas.openxmlformats.org/drawingml/2006/main" xmlns:r="http://schemas.openxmlformats.org/officeDocument/2006/relationships" xmlns:p="http://schemas.openxmlformats.org/presentationml/2006/main">
   <p:cSld>
     <p:spTree>
@@ -6265,7 +7007,7 @@
           </a:ln>
           <a:extLst>
             <a:ext uri="{C572A759-6A51-4108-AA02-DFA0A04FC94B}">
-              <ma14:wrappingTextBoxFlag xmlns:ma14="http://schemas.microsoft.com/office/mac/drawingml/2011/main" xmlns="" val="1"/>
+              <ma14:wrappingTextBoxFlag xmlns:ma14="http://schemas.microsoft.com/office/mac/drawingml/2011/main" val="1"/>
             </a:ext>
           </a:extLst>
         </p:spPr>
@@ -6621,7 +7363,7 @@
 </p:sld>
 </file>
 
-<file path=ppt/slides/slide23.xml><?xml version="1.0" encoding="utf-8"?>
+<file path=ppt/slides/slide29.xml><?xml version="1.0" encoding="utf-8"?>
 <p:sld xmlns:a="http://schemas.openxmlformats.org/drawingml/2006/main" xmlns:r="http://schemas.openxmlformats.org/officeDocument/2006/relationships" xmlns:p="http://schemas.openxmlformats.org/presentationml/2006/main">
   <p:cSld>
     <p:spTree>
@@ -6686,7 +7428,7 @@
           </a:ln>
           <a:extLst>
             <a:ext uri="{C572A759-6A51-4108-AA02-DFA0A04FC94B}">
-              <ma14:wrappingTextBoxFlag xmlns:ma14="http://schemas.microsoft.com/office/mac/drawingml/2011/main" xmlns="" val="1"/>
+              <ma14:wrappingTextBoxFlag xmlns:ma14="http://schemas.microsoft.com/office/mac/drawingml/2011/main" val="1"/>
             </a:ext>
           </a:extLst>
         </p:spPr>
@@ -6747,7 +7489,280 @@
 </p:sld>
 </file>
 
-<file path=ppt/slides/slide24.xml><?xml version="1.0" encoding="utf-8"?>
+<file path=ppt/slides/slide3.xml><?xml version="1.0" encoding="utf-8"?>
+<p:sld xmlns:a="http://schemas.openxmlformats.org/drawingml/2006/main" xmlns:r="http://schemas.openxmlformats.org/officeDocument/2006/relationships" xmlns:p="http://schemas.openxmlformats.org/presentationml/2006/main">
+  <p:cSld>
+    <p:spTree>
+      <p:nvGrpSpPr>
+        <p:cNvPr id="1" name=""/>
+        <p:cNvGrpSpPr/>
+        <p:nvPr/>
+      </p:nvGrpSpPr>
+      <p:grpSpPr>
+        <a:xfrm>
+          <a:off x="0" y="0"/>
+          <a:ext cx="0" cy="0"/>
+          <a:chOff x="0" y="0"/>
+          <a:chExt cx="0" cy="0"/>
+        </a:xfrm>
+      </p:grpSpPr>
+      <p:sp>
+        <p:nvSpPr>
+          <p:cNvPr id="61" name="Shape 61"/>
+          <p:cNvSpPr>
+            <a:spLocks noGrp="1"/>
+          </p:cNvSpPr>
+          <p:nvPr>
+            <p:ph type="title"/>
+          </p:nvPr>
+        </p:nvSpPr>
+        <p:spPr>
+          <a:prstGeom prst="rect">
+            <a:avLst/>
+          </a:prstGeom>
+        </p:spPr>
+        <p:txBody>
+          <a:bodyPr>
+            <a:normAutofit fontScale="90000"/>
+          </a:bodyPr>
+          <a:lstStyle>
+            <a:lvl1pPr defTabSz="905255">
+              <a:defRPr sz="2772"/>
+            </a:lvl1pPr>
+          </a:lstStyle>
+          <a:p>
+            <a:r>
+              <a:t>Progressive Web App</a:t>
+            </a:r>
+          </a:p>
+        </p:txBody>
+      </p:sp>
+      <p:sp>
+        <p:nvSpPr>
+          <p:cNvPr id="62" name="Shape 62"/>
+          <p:cNvSpPr>
+            <a:spLocks noGrp="1"/>
+          </p:cNvSpPr>
+          <p:nvPr>
+            <p:ph type="body" idx="1"/>
+          </p:nvPr>
+        </p:nvSpPr>
+        <p:spPr>
+          <a:prstGeom prst="rect">
+            <a:avLst/>
+          </a:prstGeom>
+        </p:spPr>
+        <p:txBody>
+          <a:bodyPr/>
+          <a:lstStyle/>
+          <a:p>
+            <a:pPr marL="0" indent="0">
+              <a:spcBef>
+                <a:spcPts val="0"/>
+              </a:spcBef>
+              <a:buSzTx/>
+              <a:buFontTx/>
+              <a:buNone/>
+              <a:defRPr sz="1800">
+                <a:solidFill>
+                  <a:srgbClr val="000000"/>
+                </a:solidFill>
+                <a:latin typeface="+mn-lt"/>
+                <a:ea typeface="+mn-ea"/>
+                <a:cs typeface="+mn-cs"/>
+                <a:sym typeface="Calibri"/>
+              </a:defRPr>
+            </a:pPr>
+            <a:endParaRPr dirty="0"/>
+          </a:p>
+          <a:p>
+            <a:pPr marL="0" indent="0">
+              <a:spcBef>
+                <a:spcPts val="0"/>
+              </a:spcBef>
+              <a:buSzTx/>
+              <a:buFontTx/>
+              <a:buNone/>
+              <a:defRPr sz="1800">
+                <a:solidFill>
+                  <a:srgbClr val="000000"/>
+                </a:solidFill>
+                <a:latin typeface="+mn-lt"/>
+                <a:ea typeface="+mn-ea"/>
+                <a:cs typeface="+mn-cs"/>
+                <a:sym typeface="Calibri"/>
+              </a:defRPr>
+            </a:pPr>
+            <a:r>
+              <a:rPr dirty="0"/>
+              <a:t>PWA是在网络上提供一种惊人用户体验的新方式</a:t>
+            </a:r>
+          </a:p>
+          <a:p>
+            <a:pPr marL="0" indent="0">
+              <a:spcBef>
+                <a:spcPts val="0"/>
+              </a:spcBef>
+              <a:buSzTx/>
+              <a:buFontTx/>
+              <a:buNone/>
+              <a:defRPr sz="1800">
+                <a:solidFill>
+                  <a:srgbClr val="000000"/>
+                </a:solidFill>
+                <a:latin typeface="+mn-lt"/>
+                <a:ea typeface="+mn-ea"/>
+                <a:cs typeface="+mn-cs"/>
+                <a:sym typeface="Calibri"/>
+              </a:defRPr>
+            </a:pPr>
+            <a:r>
+              <a:rPr dirty="0"/>
+              <a:t>PWA 不是一套固定的技术或规范，而是个理念。</a:t>
+            </a:r>
+          </a:p>
+          <a:p>
+            <a:pPr marL="0" indent="0">
+              <a:spcBef>
+                <a:spcPts val="0"/>
+              </a:spcBef>
+              <a:buSzTx/>
+              <a:buFontTx/>
+              <a:buNone/>
+              <a:defRPr sz="1800">
+                <a:solidFill>
+                  <a:srgbClr val="000000"/>
+                </a:solidFill>
+                <a:latin typeface="+mn-lt"/>
+                <a:ea typeface="+mn-ea"/>
+                <a:cs typeface="+mn-cs"/>
+                <a:sym typeface="Calibri"/>
+              </a:defRPr>
+            </a:pPr>
+            <a:endParaRPr dirty="0"/>
+          </a:p>
+          <a:p>
+            <a:pPr marL="0" indent="0">
+              <a:spcBef>
+                <a:spcPts val="0"/>
+              </a:spcBef>
+              <a:buSzTx/>
+              <a:buFontTx/>
+              <a:buNone/>
+              <a:defRPr sz="1800">
+                <a:solidFill>
+                  <a:srgbClr val="000000"/>
+                </a:solidFill>
+                <a:latin typeface="+mn-lt"/>
+                <a:ea typeface="+mn-ea"/>
+                <a:cs typeface="+mn-cs"/>
+                <a:sym typeface="Calibri"/>
+              </a:defRPr>
+            </a:pPr>
+            <a:r>
+              <a:rPr dirty="0"/>
+              <a:t>它的核心在于，让一个Web App带来和Native App一样的可靠、稳定、安全、互动性强的用户体验</a:t>
+            </a:r>
+          </a:p>
+          <a:p>
+            <a:pPr marL="0" indent="0">
+              <a:spcBef>
+                <a:spcPts val="0"/>
+              </a:spcBef>
+              <a:buSzTx/>
+              <a:buFontTx/>
+              <a:buNone/>
+              <a:defRPr sz="1800">
+                <a:solidFill>
+                  <a:srgbClr val="000000"/>
+                </a:solidFill>
+                <a:latin typeface="+mn-lt"/>
+                <a:ea typeface="+mn-ea"/>
+                <a:cs typeface="+mn-cs"/>
+                <a:sym typeface="Calibri"/>
+              </a:defRPr>
+            </a:pPr>
+            <a:endParaRPr dirty="0"/>
+          </a:p>
+          <a:p>
+            <a:pPr marL="0" indent="0">
+              <a:spcBef>
+                <a:spcPts val="0"/>
+              </a:spcBef>
+              <a:buSzTx/>
+              <a:buFontTx/>
+              <a:buNone/>
+              <a:defRPr sz="1200">
+                <a:solidFill>
+                  <a:srgbClr val="000000"/>
+                </a:solidFill>
+                <a:latin typeface="+mn-lt"/>
+                <a:ea typeface="+mn-ea"/>
+                <a:cs typeface="+mn-cs"/>
+                <a:sym typeface="Calibri"/>
+              </a:defRPr>
+            </a:pPr>
+            <a:endParaRPr dirty="0"/>
+          </a:p>
+          <a:p>
+            <a:pPr marL="0" indent="0">
+              <a:spcBef>
+                <a:spcPts val="0"/>
+              </a:spcBef>
+              <a:buSzTx/>
+              <a:buFontTx/>
+              <a:buNone/>
+              <a:defRPr sz="1200">
+                <a:solidFill>
+                  <a:srgbClr val="000000"/>
+                </a:solidFill>
+                <a:latin typeface="+mn-lt"/>
+                <a:ea typeface="+mn-ea"/>
+                <a:cs typeface="+mn-cs"/>
+                <a:sym typeface="Calibri"/>
+              </a:defRPr>
+            </a:pPr>
+            <a:endParaRPr dirty="0"/>
+          </a:p>
+          <a:p>
+            <a:pPr marL="0" indent="0">
+              <a:spcBef>
+                <a:spcPts val="0"/>
+              </a:spcBef>
+              <a:buSzTx/>
+              <a:buFontTx/>
+              <a:buNone/>
+              <a:defRPr sz="1800">
+                <a:solidFill>
+                  <a:srgbClr val="000000"/>
+                </a:solidFill>
+                <a:latin typeface="+mn-lt"/>
+                <a:ea typeface="+mn-ea"/>
+                <a:cs typeface="+mn-cs"/>
+                <a:sym typeface="Calibri"/>
+              </a:defRPr>
+            </a:pPr>
+            <a:endParaRPr dirty="0"/>
+          </a:p>
+        </p:txBody>
+      </p:sp>
+    </p:spTree>
+  </p:cSld>
+  <p:clrMapOvr>
+    <a:masterClrMapping/>
+  </p:clrMapOvr>
+  <p:transition spd="slow"/>
+  <p:timing>
+    <p:tnLst>
+      <p:par>
+        <p:cTn id="1" dur="indefinite" restart="never" nodeType="tmRoot"/>
+      </p:par>
+    </p:tnLst>
+  </p:timing>
+</p:sld>
+</file>
+
+<file path=ppt/slides/slide30.xml><?xml version="1.0" encoding="utf-8"?>
 <p:sld xmlns:a="http://schemas.openxmlformats.org/drawingml/2006/main" xmlns:r="http://schemas.openxmlformats.org/officeDocument/2006/relationships" xmlns:p="http://schemas.openxmlformats.org/presentationml/2006/main">
   <p:cSld>
     <p:spTree>
@@ -7159,7 +8174,7 @@
 </p:sld>
 </file>
 
-<file path=ppt/slides/slide25.xml><?xml version="1.0" encoding="utf-8"?>
+<file path=ppt/slides/slide31.xml><?xml version="1.0" encoding="utf-8"?>
 <p:sld xmlns:a="http://schemas.openxmlformats.org/drawingml/2006/main" xmlns:r="http://schemas.openxmlformats.org/officeDocument/2006/relationships" xmlns:p="http://schemas.openxmlformats.org/presentationml/2006/main">
   <p:cSld>
     <p:spTree>
@@ -7444,7 +8459,7 @@
 </p:sld>
 </file>
 
-<file path=ppt/slides/slide26.xml><?xml version="1.0" encoding="utf-8"?>
+<file path=ppt/slides/slide32.xml><?xml version="1.0" encoding="utf-8"?>
 <p:sld xmlns:a="http://schemas.openxmlformats.org/drawingml/2006/main" xmlns:r="http://schemas.openxmlformats.org/officeDocument/2006/relationships" xmlns:p="http://schemas.openxmlformats.org/presentationml/2006/main">
   <p:cSld>
     <p:spTree>
@@ -7488,6 +8503,7 @@
               <a:defRPr sz="2296"/>
             </a:pPr>
             <a:r>
+              <a:rPr dirty="0"/>
               <a:t>创建https环境</a:t>
             </a:r>
           </a:p>
@@ -7536,7 +8552,7 @@
           <p:nvPr/>
         </p:nvPicPr>
         <p:blipFill>
-          <a:blip r:embed="rId2">
+          <a:blip r:embed="rId3">
             <a:extLst/>
           </a:blip>
           <a:stretch>
@@ -7572,7 +8588,119 @@
 </p:sld>
 </file>
 
-<file path=ppt/slides/slide27.xml><?xml version="1.0" encoding="utf-8"?>
+<file path=ppt/slides/slide33.xml><?xml version="1.0" encoding="utf-8"?>
+<p:sld xmlns:a="http://schemas.openxmlformats.org/drawingml/2006/main" xmlns:r="http://schemas.openxmlformats.org/officeDocument/2006/relationships" xmlns:p="http://schemas.openxmlformats.org/presentationml/2006/main">
+  <p:cSld>
+    <p:spTree>
+      <p:nvGrpSpPr>
+        <p:cNvPr id="1" name=""/>
+        <p:cNvGrpSpPr/>
+        <p:nvPr/>
+      </p:nvGrpSpPr>
+      <p:grpSpPr>
+        <a:xfrm>
+          <a:off x="0" y="0"/>
+          <a:ext cx="0" cy="0"/>
+          <a:chOff x="0" y="0"/>
+          <a:chExt cx="0" cy="0"/>
+        </a:xfrm>
+      </p:grpSpPr>
+      <p:sp>
+        <p:nvSpPr>
+          <p:cNvPr id="2" name="标题 1"/>
+          <p:cNvSpPr>
+            <a:spLocks noGrp="1"/>
+          </p:cNvSpPr>
+          <p:nvPr>
+            <p:ph type="title"/>
+          </p:nvPr>
+        </p:nvSpPr>
+        <p:spPr/>
+        <p:txBody>
+          <a:bodyPr>
+            <a:normAutofit fontScale="90000"/>
+          </a:bodyPr>
+          <a:lstStyle/>
+          <a:p>
+            <a:r>
+              <a:rPr lang="zh-CN" altLang="en-US" dirty="0"/>
+              <a:t>创建</a:t>
+            </a:r>
+            <a:r>
+              <a:rPr lang="en-US" altLang="zh-CN" dirty="0"/>
+              <a:t>https</a:t>
+            </a:r>
+            <a:r>
+              <a:rPr lang="zh-CN" altLang="en-US" dirty="0"/>
+              <a:t>环境</a:t>
+            </a:r>
+            <a:endParaRPr kumimoji="1" lang="zh-CN" altLang="en-US" dirty="0"/>
+          </a:p>
+        </p:txBody>
+      </p:sp>
+      <p:sp>
+        <p:nvSpPr>
+          <p:cNvPr id="3" name="文本占位符 2"/>
+          <p:cNvSpPr>
+            <a:spLocks noGrp="1"/>
+          </p:cNvSpPr>
+          <p:nvPr>
+            <p:ph type="body" idx="1"/>
+          </p:nvPr>
+        </p:nvSpPr>
+        <p:spPr/>
+        <p:txBody>
+          <a:bodyPr/>
+          <a:lstStyle/>
+          <a:p>
+            <a:r>
+              <a:rPr kumimoji="1" lang="zh-CN" altLang="en-US" dirty="0" smtClean="0"/>
+              <a:t>使用</a:t>
+            </a:r>
+            <a:r>
+              <a:rPr kumimoji="1" lang="en-US" altLang="zh-CN" dirty="0" err="1" smtClean="0"/>
+              <a:t>github</a:t>
+            </a:r>
+            <a:r>
+              <a:rPr kumimoji="1" lang="zh-CN" altLang="en-US" dirty="0" smtClean="0"/>
+              <a:t> </a:t>
+            </a:r>
+            <a:r>
+              <a:rPr kumimoji="1" lang="en-US" altLang="zh-CN" dirty="0" smtClean="0"/>
+              <a:t>page</a:t>
+            </a:r>
+          </a:p>
+          <a:p>
+            <a:endParaRPr kumimoji="1" lang="en-US" altLang="zh-CN" dirty="0"/>
+          </a:p>
+          <a:p>
+            <a:r>
+              <a:rPr kumimoji="1" lang="zh-CN" altLang="en-US" dirty="0" smtClean="0"/>
+              <a:t>在本地可以使用</a:t>
+            </a:r>
+            <a:r>
+              <a:rPr kumimoji="1" lang="en-US" altLang="zh-CN" dirty="0" smtClean="0"/>
+              <a:t>http</a:t>
+            </a:r>
+            <a:endParaRPr kumimoji="1" lang="zh-CN" altLang="en-US" dirty="0"/>
+          </a:p>
+        </p:txBody>
+      </p:sp>
+    </p:spTree>
+    <p:extLst>
+      <p:ext uri="{BB962C8B-B14F-4D97-AF65-F5344CB8AC3E}">
+        <p14:creationId xmlns:p14="http://schemas.microsoft.com/office/powerpoint/2010/main" val="613149755"/>
+      </p:ext>
+    </p:extLst>
+  </p:cSld>
+  <p:clrMapOvr>
+    <a:masterClrMapping/>
+  </p:clrMapOvr>
+  <p:transition spd="med"/>
+</p:sld>
+</file>
+
+<file path=ppt/slides/slide34.xml><?xml version="1.0" encoding="utf-8"?>
 <p:sld xmlns:a="http://schemas.openxmlformats.org/drawingml/2006/main" xmlns:r="http://schemas.openxmlformats.org/officeDocument/2006/relationships" xmlns:p="http://schemas.openxmlformats.org/presentationml/2006/main">
   <p:cSld>
     <p:spTree>
@@ -7663,276 +8791,6 @@
               <a:cs typeface="+mn-cs"/>
               <a:sym typeface="Calibri"/>
             </a:endParaRPr>
-          </a:p>
-        </p:txBody>
-      </p:sp>
-    </p:spTree>
-  </p:cSld>
-  <p:clrMapOvr>
-    <a:masterClrMapping/>
-  </p:clrMapOvr>
-  <p:transition spd="slow"/>
-  <p:timing>
-    <p:tnLst>
-      <p:par>
-        <p:cTn id="1" dur="indefinite" restart="never" nodeType="tmRoot"/>
-      </p:par>
-    </p:tnLst>
-  </p:timing>
-</p:sld>
-</file>
-
-<file path=ppt/slides/slide3.xml><?xml version="1.0" encoding="utf-8"?>
-<p:sld xmlns:a="http://schemas.openxmlformats.org/drawingml/2006/main" xmlns:r="http://schemas.openxmlformats.org/officeDocument/2006/relationships" xmlns:p="http://schemas.openxmlformats.org/presentationml/2006/main">
-  <p:cSld>
-    <p:spTree>
-      <p:nvGrpSpPr>
-        <p:cNvPr id="1" name=""/>
-        <p:cNvGrpSpPr/>
-        <p:nvPr/>
-      </p:nvGrpSpPr>
-      <p:grpSpPr>
-        <a:xfrm>
-          <a:off x="0" y="0"/>
-          <a:ext cx="0" cy="0"/>
-          <a:chOff x="0" y="0"/>
-          <a:chExt cx="0" cy="0"/>
-        </a:xfrm>
-      </p:grpSpPr>
-      <p:sp>
-        <p:nvSpPr>
-          <p:cNvPr id="61" name="Shape 61"/>
-          <p:cNvSpPr>
-            <a:spLocks noGrp="1"/>
-          </p:cNvSpPr>
-          <p:nvPr>
-            <p:ph type="title"/>
-          </p:nvPr>
-        </p:nvSpPr>
-        <p:spPr>
-          <a:prstGeom prst="rect">
-            <a:avLst/>
-          </a:prstGeom>
-        </p:spPr>
-        <p:txBody>
-          <a:bodyPr>
-            <a:normAutofit fontScale="90000"/>
-          </a:bodyPr>
-          <a:lstStyle>
-            <a:lvl1pPr defTabSz="905255">
-              <a:defRPr sz="2772"/>
-            </a:lvl1pPr>
-          </a:lstStyle>
-          <a:p>
-            <a:r>
-              <a:t>Progressive Web App</a:t>
-            </a:r>
-          </a:p>
-        </p:txBody>
-      </p:sp>
-      <p:sp>
-        <p:nvSpPr>
-          <p:cNvPr id="62" name="Shape 62"/>
-          <p:cNvSpPr>
-            <a:spLocks noGrp="1"/>
-          </p:cNvSpPr>
-          <p:nvPr>
-            <p:ph type="body" idx="1"/>
-          </p:nvPr>
-        </p:nvSpPr>
-        <p:spPr>
-          <a:prstGeom prst="rect">
-            <a:avLst/>
-          </a:prstGeom>
-        </p:spPr>
-        <p:txBody>
-          <a:bodyPr/>
-          <a:lstStyle/>
-          <a:p>
-            <a:pPr marL="0" indent="0">
-              <a:spcBef>
-                <a:spcPts val="0"/>
-              </a:spcBef>
-              <a:buSzTx/>
-              <a:buFontTx/>
-              <a:buNone/>
-              <a:defRPr sz="1800">
-                <a:solidFill>
-                  <a:srgbClr val="000000"/>
-                </a:solidFill>
-                <a:latin typeface="+mn-lt"/>
-                <a:ea typeface="+mn-ea"/>
-                <a:cs typeface="+mn-cs"/>
-                <a:sym typeface="Calibri"/>
-              </a:defRPr>
-            </a:pPr>
-            <a:endParaRPr/>
-          </a:p>
-          <a:p>
-            <a:pPr marL="0" indent="0">
-              <a:spcBef>
-                <a:spcPts val="0"/>
-              </a:spcBef>
-              <a:buSzTx/>
-              <a:buFontTx/>
-              <a:buNone/>
-              <a:defRPr sz="1800">
-                <a:solidFill>
-                  <a:srgbClr val="000000"/>
-                </a:solidFill>
-                <a:latin typeface="+mn-lt"/>
-                <a:ea typeface="+mn-ea"/>
-                <a:cs typeface="+mn-cs"/>
-                <a:sym typeface="Calibri"/>
-              </a:defRPr>
-            </a:pPr>
-            <a:r>
-              <a:t>PWA是在网络上提供一种惊人用户体验的新方式</a:t>
-            </a:r>
-          </a:p>
-          <a:p>
-            <a:pPr marL="0" indent="0">
-              <a:spcBef>
-                <a:spcPts val="0"/>
-              </a:spcBef>
-              <a:buSzTx/>
-              <a:buFontTx/>
-              <a:buNone/>
-              <a:defRPr sz="1800">
-                <a:solidFill>
-                  <a:srgbClr val="000000"/>
-                </a:solidFill>
-                <a:latin typeface="+mn-lt"/>
-                <a:ea typeface="+mn-ea"/>
-                <a:cs typeface="+mn-cs"/>
-                <a:sym typeface="Calibri"/>
-              </a:defRPr>
-            </a:pPr>
-            <a:r>
-              <a:t>PWA 不是一套固定的技术或规范，而是个理念。</a:t>
-            </a:r>
-          </a:p>
-          <a:p>
-            <a:pPr marL="0" indent="0">
-              <a:spcBef>
-                <a:spcPts val="0"/>
-              </a:spcBef>
-              <a:buSzTx/>
-              <a:buFontTx/>
-              <a:buNone/>
-              <a:defRPr sz="1800">
-                <a:solidFill>
-                  <a:srgbClr val="000000"/>
-                </a:solidFill>
-                <a:latin typeface="+mn-lt"/>
-                <a:ea typeface="+mn-ea"/>
-                <a:cs typeface="+mn-cs"/>
-                <a:sym typeface="Calibri"/>
-              </a:defRPr>
-            </a:pPr>
-            <a:endParaRPr/>
-          </a:p>
-          <a:p>
-            <a:pPr marL="0" indent="0">
-              <a:spcBef>
-                <a:spcPts val="0"/>
-              </a:spcBef>
-              <a:buSzTx/>
-              <a:buFontTx/>
-              <a:buNone/>
-              <a:defRPr sz="1800">
-                <a:solidFill>
-                  <a:srgbClr val="000000"/>
-                </a:solidFill>
-                <a:latin typeface="+mn-lt"/>
-                <a:ea typeface="+mn-ea"/>
-                <a:cs typeface="+mn-cs"/>
-                <a:sym typeface="Calibri"/>
-              </a:defRPr>
-            </a:pPr>
-            <a:r>
-              <a:t>它的核心在于，让一个Web App带来和Native App一样的可靠、稳定、安全、互动性强的用户体验</a:t>
-            </a:r>
-          </a:p>
-          <a:p>
-            <a:pPr marL="0" indent="0">
-              <a:spcBef>
-                <a:spcPts val="0"/>
-              </a:spcBef>
-              <a:buSzTx/>
-              <a:buFontTx/>
-              <a:buNone/>
-              <a:defRPr sz="1800">
-                <a:solidFill>
-                  <a:srgbClr val="000000"/>
-                </a:solidFill>
-                <a:latin typeface="+mn-lt"/>
-                <a:ea typeface="+mn-ea"/>
-                <a:cs typeface="+mn-cs"/>
-                <a:sym typeface="Calibri"/>
-              </a:defRPr>
-            </a:pPr>
-            <a:endParaRPr/>
-          </a:p>
-          <a:p>
-            <a:pPr marL="0" indent="0">
-              <a:spcBef>
-                <a:spcPts val="0"/>
-              </a:spcBef>
-              <a:buSzTx/>
-              <a:buFontTx/>
-              <a:buNone/>
-              <a:defRPr sz="1200">
-                <a:solidFill>
-                  <a:srgbClr val="000000"/>
-                </a:solidFill>
-                <a:latin typeface="+mn-lt"/>
-                <a:ea typeface="+mn-ea"/>
-                <a:cs typeface="+mn-cs"/>
-                <a:sym typeface="Calibri"/>
-              </a:defRPr>
-            </a:pPr>
-            <a:endParaRPr/>
-          </a:p>
-          <a:p>
-            <a:pPr marL="0" indent="0">
-              <a:spcBef>
-                <a:spcPts val="0"/>
-              </a:spcBef>
-              <a:buSzTx/>
-              <a:buFontTx/>
-              <a:buNone/>
-              <a:defRPr sz="1200">
-                <a:solidFill>
-                  <a:srgbClr val="000000"/>
-                </a:solidFill>
-                <a:latin typeface="+mn-lt"/>
-                <a:ea typeface="+mn-ea"/>
-                <a:cs typeface="+mn-cs"/>
-                <a:sym typeface="Calibri"/>
-              </a:defRPr>
-            </a:pPr>
-            <a:endParaRPr/>
-          </a:p>
-          <a:p>
-            <a:pPr marL="0" indent="0">
-              <a:spcBef>
-                <a:spcPts val="0"/>
-              </a:spcBef>
-              <a:buSzTx/>
-              <a:buFontTx/>
-              <a:buNone/>
-              <a:defRPr sz="1800">
-                <a:solidFill>
-                  <a:srgbClr val="000000"/>
-                </a:solidFill>
-                <a:latin typeface="+mn-lt"/>
-                <a:ea typeface="+mn-ea"/>
-                <a:cs typeface="+mn-cs"/>
-                <a:sym typeface="Calibri"/>
-              </a:defRPr>
-            </a:pPr>
-            <a:endParaRPr/>
           </a:p>
         </p:txBody>
       </p:sp>
@@ -8021,7 +8879,7 @@
           </a:ln>
           <a:extLst>
             <a:ext uri="{C572A759-6A51-4108-AA02-DFA0A04FC94B}">
-              <ma14:wrappingTextBoxFlag xmlns:ma14="http://schemas.microsoft.com/office/mac/drawingml/2011/main" xmlns="" val="1"/>
+              <ma14:wrappingTextBoxFlag xmlns:ma14="http://schemas.microsoft.com/office/mac/drawingml/2011/main" val="1"/>
             </a:ext>
           </a:extLst>
         </p:spPr>
@@ -8599,7 +9457,7 @@
           </a:ln>
           <a:extLst>
             <a:ext uri="{C572A759-6A51-4108-AA02-DFA0A04FC94B}">
-              <ma14:wrappingTextBoxFlag xmlns:ma14="http://schemas.microsoft.com/office/mac/drawingml/2011/main" xmlns="" val="1"/>
+              <ma14:wrappingTextBoxFlag xmlns:ma14="http://schemas.microsoft.com/office/mac/drawingml/2011/main" val="1"/>
             </a:ext>
           </a:extLst>
         </p:spPr>
@@ -8691,8 +9549,14 @@
           </a:lstStyle>
           <a:p>
             <a:r>
-              <a:t>注册worker serice</a:t>
-            </a:r>
+              <a:rPr dirty="0" smtClean="0"/>
+              <a:t>注册</a:t>
+            </a:r>
+            <a:r>
+              <a:rPr lang="en-US" dirty="0" smtClean="0"/>
+              <a:t>service worker</a:t>
+            </a:r>
+            <a:endParaRPr dirty="0"/>
           </a:p>
         </p:txBody>
       </p:sp>
